--- a/Project Presentation.pptx
+++ b/Project Presentation.pptx
@@ -116,6 +116,11 @@
       </a:defRPr>
     </a:lvl9pPr>
   </p:defaultTextStyle>
+  <p:extLst>
+    <p:ext uri="{EFAFB233-063F-42B5-8137-9DF3F51BA10A}">
+      <p15:sldGuideLst xmlns:p15="http://schemas.microsoft.com/office/powerpoint/2012/main"/>
+    </p:ext>
+  </p:extLst>
 </p:presentation>
 </file>
 
@@ -132,7 +137,7 @@
   <pc:docChgLst>
     <pc:chgData name="sunita persad" userId="3f8766869e31e633" providerId="LiveId" clId="{1DAF9E0F-0517-4978-BC87-E7E7B0568C89}"/>
     <pc:docChg chg="undo redo custSel addSld delSld modSld sldOrd">
-      <pc:chgData name="sunita persad" userId="3f8766869e31e633" providerId="LiveId" clId="{1DAF9E0F-0517-4978-BC87-E7E7B0568C89}" dt="2021-10-05T21:22:23.011" v="5362" actId="20577"/>
+      <pc:chgData name="sunita persad" userId="3f8766869e31e633" providerId="LiveId" clId="{1DAF9E0F-0517-4978-BC87-E7E7B0568C89}" dt="2021-10-05T21:32:44.422" v="5562" actId="20577"/>
       <pc:docMkLst>
         <pc:docMk/>
       </pc:docMkLst>
@@ -1041,7 +1046,7 @@
         </pc:graphicFrameChg>
       </pc:sldChg>
       <pc:sldChg chg="modSp new mod">
-        <pc:chgData name="sunita persad" userId="3f8766869e31e633" providerId="LiveId" clId="{1DAF9E0F-0517-4978-BC87-E7E7B0568C89}" dt="2021-10-03T00:08:08.348" v="3338" actId="13926"/>
+        <pc:chgData name="sunita persad" userId="3f8766869e31e633" providerId="LiveId" clId="{1DAF9E0F-0517-4978-BC87-E7E7B0568C89}" dt="2021-10-05T21:32:44.422" v="5562" actId="20577"/>
         <pc:sldMkLst>
           <pc:docMk/>
           <pc:sldMk cId="786535372" sldId="264"/>
@@ -1055,7 +1060,7 @@
           </ac:spMkLst>
         </pc:spChg>
         <pc:spChg chg="mod">
-          <ac:chgData name="sunita persad" userId="3f8766869e31e633" providerId="LiveId" clId="{1DAF9E0F-0517-4978-BC87-E7E7B0568C89}" dt="2021-10-03T00:08:08.348" v="3338" actId="13926"/>
+          <ac:chgData name="sunita persad" userId="3f8766869e31e633" providerId="LiveId" clId="{1DAF9E0F-0517-4978-BC87-E7E7B0568C89}" dt="2021-10-05T21:32:44.422" v="5562" actId="20577"/>
           <ac:spMkLst>
             <pc:docMk/>
             <pc:sldMk cId="786535372" sldId="264"/>
@@ -8045,7 +8050,7 @@
           <a:p>
             <a:fld id="{78ABE3C1-DBE1-495D-B57B-2849774B866A}" type="datetimeFigureOut">
               <a:rPr lang="en-US" smtClean="0"/>
-              <a:t>10/2/2021</a:t>
+              <a:t>10/5/2021</a:t>
             </a:fld>
             <a:endParaRPr lang="en-US" dirty="0"/>
           </a:p>
@@ -9143,7 +9148,7 @@
           <a:p>
             <a:fld id="{9D6E9DEC-419B-4CC5-A080-3B06BD5A8291}" type="datetimeFigureOut">
               <a:rPr lang="en-US" smtClean="0"/>
-              <a:t>10/2/2021</a:t>
+              <a:t>10/5/2021</a:t>
             </a:fld>
             <a:endParaRPr lang="en-US" dirty="0"/>
           </a:p>
@@ -10133,7 +10138,7 @@
           <a:p>
             <a:fld id="{9D6E9DEC-419B-4CC5-A080-3B06BD5A8291}" type="datetimeFigureOut">
               <a:rPr lang="en-US" smtClean="0"/>
-              <a:t>10/2/2021</a:t>
+              <a:t>10/5/2021</a:t>
             </a:fld>
             <a:endParaRPr lang="en-US" dirty="0"/>
           </a:p>
@@ -11277,7 +11282,7 @@
           <a:p>
             <a:fld id="{9D6E9DEC-419B-4CC5-A080-3B06BD5A8291}" type="datetimeFigureOut">
               <a:rPr lang="en-US" smtClean="0"/>
-              <a:t>10/2/2021</a:t>
+              <a:t>10/5/2021</a:t>
             </a:fld>
             <a:endParaRPr lang="en-US" dirty="0"/>
           </a:p>
@@ -12320,7 +12325,7 @@
           <a:p>
             <a:fld id="{9D6E9DEC-419B-4CC5-A080-3B06BD5A8291}" type="datetimeFigureOut">
               <a:rPr lang="en-US" smtClean="0"/>
-              <a:t>10/2/2021</a:t>
+              <a:t>10/5/2021</a:t>
             </a:fld>
             <a:endParaRPr lang="en-US" dirty="0"/>
           </a:p>
@@ -12990,7 +12995,7 @@
           <a:p>
             <a:fld id="{9D6E9DEC-419B-4CC5-A080-3B06BD5A8291}" type="datetimeFigureOut">
               <a:rPr lang="en-US" smtClean="0"/>
-              <a:t>10/2/2021</a:t>
+              <a:t>10/5/2021</a:t>
             </a:fld>
             <a:endParaRPr lang="en-US" dirty="0"/>
           </a:p>
@@ -13861,7 +13866,7 @@
           <a:p>
             <a:fld id="{9D6E9DEC-419B-4CC5-A080-3B06BD5A8291}" type="datetimeFigureOut">
               <a:rPr lang="en-US" smtClean="0"/>
-              <a:t>10/2/2021</a:t>
+              <a:t>10/5/2021</a:t>
             </a:fld>
             <a:endParaRPr lang="en-US" dirty="0"/>
           </a:p>
@@ -14061,7 +14066,7 @@
           <a:p>
             <a:fld id="{1FA3F48C-C7C6-4055-9F49-3777875E72AE}" type="datetimeFigureOut">
               <a:rPr lang="en-US" smtClean="0"/>
-              <a:t>10/2/2021</a:t>
+              <a:t>10/5/2021</a:t>
             </a:fld>
             <a:endParaRPr lang="en-US" dirty="0"/>
           </a:p>
@@ -15043,7 +15048,7 @@
           <a:p>
             <a:fld id="{6178E61D-D431-422C-9764-11DAFE33AB63}" type="datetimeFigureOut">
               <a:rPr lang="en-US" smtClean="0"/>
-              <a:t>10/2/2021</a:t>
+              <a:t>10/5/2021</a:t>
             </a:fld>
             <a:endParaRPr lang="en-US" dirty="0"/>
           </a:p>
@@ -15869,7 +15874,7 @@
           <a:p>
             <a:fld id="{12DE42F4-6EEF-4EF7-8ED4-2208F0F89A08}" type="datetimeFigureOut">
               <a:rPr lang="en-US" smtClean="0"/>
-              <a:t>10/2/2021</a:t>
+              <a:t>10/5/2021</a:t>
             </a:fld>
             <a:endParaRPr lang="en-US" dirty="0"/>
           </a:p>
@@ -16913,7 +16918,7 @@
           <a:p>
             <a:fld id="{30578ACC-22D6-47C1-A373-4FD133E34F3C}" type="datetimeFigureOut">
               <a:rPr lang="en-US" smtClean="0"/>
-              <a:t>10/2/2021</a:t>
+              <a:t>10/5/2021</a:t>
             </a:fld>
             <a:endParaRPr lang="en-US" dirty="0"/>
           </a:p>
@@ -17195,7 +17200,7 @@
           <a:p>
             <a:fld id="{4E5A6C69-6797-4E8A-BF37-F2C3751466E9}" type="datetimeFigureOut">
               <a:rPr lang="en-US" smtClean="0"/>
-              <a:t>10/2/2021</a:t>
+              <a:t>10/5/2021</a:t>
             </a:fld>
             <a:endParaRPr lang="en-US" dirty="0"/>
           </a:p>
@@ -17615,7 +17620,7 @@
           <a:p>
             <a:fld id="{D82014A1-A632-4878-A0D3-F52BA7563730}" type="datetimeFigureOut">
               <a:rPr lang="en-US" smtClean="0"/>
-              <a:t>10/2/2021</a:t>
+              <a:t>10/5/2021</a:t>
             </a:fld>
             <a:endParaRPr lang="en-US" dirty="0"/>
           </a:p>
@@ -17752,7 +17757,7 @@
           <a:p>
             <a:fld id="{CE99F462-093F-4566-844B-4C71F2739DA5}" type="datetimeFigureOut">
               <a:rPr lang="en-US" smtClean="0"/>
-              <a:t>10/2/2021</a:t>
+              <a:t>10/5/2021</a:t>
             </a:fld>
             <a:endParaRPr lang="en-US" dirty="0"/>
           </a:p>
@@ -17857,7 +17862,7 @@
           <a:p>
             <a:fld id="{3D24A7AC-904D-4781-85BA-7D10C17ED021}" type="datetimeFigureOut">
               <a:rPr lang="en-US" smtClean="0"/>
-              <a:t>10/2/2021</a:t>
+              <a:t>10/5/2021</a:t>
             </a:fld>
             <a:endParaRPr lang="en-US" dirty="0"/>
           </a:p>
@@ -18947,7 +18952,7 @@
           <a:p>
             <a:fld id="{E331444B-B92B-4E27-8C94-BB93EAF5CB18}" type="datetimeFigureOut">
               <a:rPr lang="en-US" smtClean="0"/>
-              <a:t>10/2/2021</a:t>
+              <a:t>10/5/2021</a:t>
             </a:fld>
             <a:endParaRPr lang="en-US" dirty="0"/>
           </a:p>
@@ -20065,7 +20070,7 @@
           <a:p>
             <a:fld id="{363EFA5E-FA76-400D-B3DC-F0BA90E6D107}" type="datetimeFigureOut">
               <a:rPr lang="en-US" smtClean="0"/>
-              <a:t>10/2/2021</a:t>
+              <a:t>10/5/2021</a:t>
             </a:fld>
             <a:endParaRPr lang="en-US" dirty="0"/>
           </a:p>
@@ -21072,7 +21077,7 @@
           <a:p>
             <a:fld id="{9D6E9DEC-419B-4CC5-A080-3B06BD5A8291}" type="datetimeFigureOut">
               <a:rPr lang="en-US" smtClean="0"/>
-              <a:t>10/2/2021</a:t>
+              <a:t>10/5/2021</a:t>
             </a:fld>
             <a:endParaRPr lang="en-US" dirty="0"/>
           </a:p>
@@ -24278,6 +24283,33 @@
               <a:t>Sunita</a:t>
             </a:r>
             <a:r>
+              <a:rPr lang="en-US" sz="1200" dirty="0"/>
+              <a:t>– Worked on research for open weather map </a:t>
+            </a:r>
+            <a:r>
+              <a:rPr lang="en-US" sz="1200" dirty="0" err="1"/>
+              <a:t>api</a:t>
+            </a:r>
+            <a:r>
+              <a:rPr lang="en-US" sz="1200" dirty="0"/>
+              <a:t> to </a:t>
+            </a:r>
+            <a:r>
+              <a:rPr lang="en-US" sz="1200"/>
+              <a:t>insert in code</a:t>
+            </a:r>
+            <a:endParaRPr lang="en-US" sz="1200" dirty="0"/>
+          </a:p>
+          <a:p>
+            <a:r>
+              <a:rPr lang="en-US" sz="1200" u="sng" dirty="0">
+                <a:highlight>
+                  <a:srgbClr val="00FF00"/>
+                </a:highlight>
+              </a:rPr>
+              <a:t>Sunita</a:t>
+            </a:r>
+            <a:r>
               <a:rPr lang="en-US" sz="1200" u="sng" dirty="0"/>
               <a:t>:</a:t>
             </a:r>
@@ -24323,6 +24355,52 @@
               <a:rPr lang="en-US" sz="1200" dirty="0"/>
               <a:t> key to help display weather, added five-day forecast, implemented units of measurement in which to display temperature and added weather icons</a:t>
             </a:r>
+          </a:p>
+          <a:p>
+            <a:r>
+              <a:rPr lang="en-US" sz="1200" u="sng" dirty="0">
+                <a:highlight>
+                  <a:srgbClr val="00FFFF"/>
+                </a:highlight>
+              </a:rPr>
+              <a:t>Bradley</a:t>
+            </a:r>
+            <a:r>
+              <a:rPr lang="en-US" sz="1200" u="sng" dirty="0"/>
+              <a:t>/</a:t>
+            </a:r>
+            <a:r>
+              <a:rPr lang="en-US" sz="1200" u="sng" dirty="0">
+                <a:highlight>
+                  <a:srgbClr val="FF0000"/>
+                </a:highlight>
+              </a:rPr>
+              <a:t>Sean</a:t>
+            </a:r>
+            <a:r>
+              <a:rPr lang="en-US" sz="1200" u="sng" dirty="0"/>
+              <a:t>/</a:t>
+            </a:r>
+            <a:r>
+              <a:rPr lang="en-US" sz="1200" u="sng" dirty="0">
+                <a:highlight>
+                  <a:srgbClr val="0000FF"/>
+                </a:highlight>
+              </a:rPr>
+              <a:t>Julio </a:t>
+            </a:r>
+            <a:r>
+              <a:rPr lang="en-US" sz="1200" dirty="0"/>
+              <a:t>– Worked on DOM additions for brewery </a:t>
+            </a:r>
+            <a:r>
+              <a:rPr lang="en-US" sz="1200" dirty="0" err="1"/>
+              <a:t>api</a:t>
+            </a:r>
+            <a:endParaRPr lang="en-US" sz="1200" dirty="0"/>
+          </a:p>
+          <a:p>
+            <a:endParaRPr lang="en-US" sz="1200" dirty="0"/>
           </a:p>
           <a:p>
             <a:endParaRPr lang="en-US" dirty="0"/>

--- a/Project Presentation.pptx
+++ b/Project Presentation.pptx
@@ -127,7 +127,7 @@
 <file path=ppt/revisionInfo.xml><?xml version="1.0" encoding="utf-8"?>
 <p1510:revInfo xmlns:a="http://schemas.openxmlformats.org/drawingml/2006/main" xmlns:r="http://schemas.openxmlformats.org/officeDocument/2006/relationships" xmlns:p1510="http://schemas.microsoft.com/office/powerpoint/2015/10/main">
   <p1510:revLst>
-    <p1510:client id="{1DAF9E0F-0517-4978-BC87-E7E7B0568C89}" v="60" dt="2021-10-05T21:22:23.026"/>
+    <p1510:client id="{4A4CBAA8-5145-4FF1-AD75-F052B8016C1F}" v="18" dt="2021-10-06T23:37:58.929"/>
   </p1510:revLst>
 </p1510:revInfo>
 </file>
@@ -1107,6 +1107,176 @@
         </pc:spChg>
         <pc:spChg chg="mod">
           <ac:chgData name="sunita persad" userId="3f8766869e31e633" providerId="LiveId" clId="{1DAF9E0F-0517-4978-BC87-E7E7B0568C89}" dt="2021-10-03T00:10:05.265" v="3506" actId="20577"/>
+          <ac:spMkLst>
+            <pc:docMk/>
+            <pc:sldMk cId="2387706665" sldId="266"/>
+            <ac:spMk id="3" creationId="{8F1CE2CF-BD5F-419F-AE83-DFF8F38A9F3D}"/>
+          </ac:spMkLst>
+        </pc:spChg>
+      </pc:sldChg>
+    </pc:docChg>
+  </pc:docChgLst>
+  <pc:docChgLst>
+    <pc:chgData name="sunita persad" userId="3f8766869e31e633" providerId="LiveId" clId="{4A4CBAA8-5145-4FF1-AD75-F052B8016C1F}"/>
+    <pc:docChg chg="undo custSel modSld">
+      <pc:chgData name="sunita persad" userId="3f8766869e31e633" providerId="LiveId" clId="{4A4CBAA8-5145-4FF1-AD75-F052B8016C1F}" dt="2021-10-06T23:56:04.963" v="1810" actId="20577"/>
+      <pc:docMkLst>
+        <pc:docMk/>
+      </pc:docMkLst>
+      <pc:sldChg chg="modSp mod">
+        <pc:chgData name="sunita persad" userId="3f8766869e31e633" providerId="LiveId" clId="{4A4CBAA8-5145-4FF1-AD75-F052B8016C1F}" dt="2021-10-06T23:51:15.241" v="1583" actId="20577"/>
+        <pc:sldMkLst>
+          <pc:docMk/>
+          <pc:sldMk cId="0" sldId="258"/>
+        </pc:sldMkLst>
+        <pc:spChg chg="mod">
+          <ac:chgData name="sunita persad" userId="3f8766869e31e633" providerId="LiveId" clId="{4A4CBAA8-5145-4FF1-AD75-F052B8016C1F}" dt="2021-10-06T23:51:15.241" v="1583" actId="20577"/>
+          <ac:spMkLst>
+            <pc:docMk/>
+            <pc:sldMk cId="0" sldId="258"/>
+            <ac:spMk id="10" creationId="{DD8AC8AF-FA4A-42F9-AD91-BE525F2A7382}"/>
+          </ac:spMkLst>
+        </pc:spChg>
+        <pc:spChg chg="mod">
+          <ac:chgData name="sunita persad" userId="3f8766869e31e633" providerId="LiveId" clId="{4A4CBAA8-5145-4FF1-AD75-F052B8016C1F}" dt="2021-10-06T23:50:28.499" v="1582" actId="20577"/>
+          <ac:spMkLst>
+            <pc:docMk/>
+            <pc:sldMk cId="0" sldId="258"/>
+            <ac:spMk id="66" creationId="{00000000-0000-0000-0000-000000000000}"/>
+          </ac:spMkLst>
+        </pc:spChg>
+      </pc:sldChg>
+      <pc:sldChg chg="modSp mod">
+        <pc:chgData name="sunita persad" userId="3f8766869e31e633" providerId="LiveId" clId="{4A4CBAA8-5145-4FF1-AD75-F052B8016C1F}" dt="2021-10-06T23:56:04.963" v="1810" actId="20577"/>
+        <pc:sldMkLst>
+          <pc:docMk/>
+          <pc:sldMk cId="0" sldId="261"/>
+        </pc:sldMkLst>
+        <pc:spChg chg="mod">
+          <ac:chgData name="sunita persad" userId="3f8766869e31e633" providerId="LiveId" clId="{4A4CBAA8-5145-4FF1-AD75-F052B8016C1F}" dt="2021-10-06T23:56:04.963" v="1810" actId="20577"/>
+          <ac:spMkLst>
+            <pc:docMk/>
+            <pc:sldMk cId="0" sldId="261"/>
+            <ac:spMk id="83" creationId="{00000000-0000-0000-0000-000000000000}"/>
+          </ac:spMkLst>
+        </pc:spChg>
+      </pc:sldChg>
+      <pc:sldChg chg="modSp mod">
+        <pc:chgData name="sunita persad" userId="3f8766869e31e633" providerId="LiveId" clId="{4A4CBAA8-5145-4FF1-AD75-F052B8016C1F}" dt="2021-10-06T23:53:49.100" v="1587"/>
+        <pc:sldMkLst>
+          <pc:docMk/>
+          <pc:sldMk cId="0" sldId="262"/>
+        </pc:sldMkLst>
+        <pc:spChg chg="mod">
+          <ac:chgData name="sunita persad" userId="3f8766869e31e633" providerId="LiveId" clId="{4A4CBAA8-5145-4FF1-AD75-F052B8016C1F}" dt="2021-10-06T23:53:49.100" v="1587"/>
+          <ac:spMkLst>
+            <pc:docMk/>
+            <pc:sldMk cId="0" sldId="262"/>
+            <ac:spMk id="89" creationId="{00000000-0000-0000-0000-000000000000}"/>
+          </ac:spMkLst>
+        </pc:spChg>
+      </pc:sldChg>
+      <pc:sldChg chg="addSp modSp mod">
+        <pc:chgData name="sunita persad" userId="3f8766869e31e633" providerId="LiveId" clId="{4A4CBAA8-5145-4FF1-AD75-F052B8016C1F}" dt="2021-10-06T23:32:43.594" v="502" actId="14100"/>
+        <pc:sldMkLst>
+          <pc:docMk/>
+          <pc:sldMk cId="1789785821" sldId="263"/>
+        </pc:sldMkLst>
+        <pc:spChg chg="add mod">
+          <ac:chgData name="sunita persad" userId="3f8766869e31e633" providerId="LiveId" clId="{4A4CBAA8-5145-4FF1-AD75-F052B8016C1F}" dt="2021-10-06T23:29:47.016" v="430"/>
+          <ac:spMkLst>
+            <pc:docMk/>
+            <pc:sldMk cId="1789785821" sldId="263"/>
+            <ac:spMk id="25" creationId="{D5D4C636-FBFF-4DEA-A712-579E2F1816FD}"/>
+          </ac:spMkLst>
+        </pc:spChg>
+        <pc:spChg chg="add mod">
+          <ac:chgData name="sunita persad" userId="3f8766869e31e633" providerId="LiveId" clId="{4A4CBAA8-5145-4FF1-AD75-F052B8016C1F}" dt="2021-10-06T23:30:05.877" v="451" actId="20577"/>
+          <ac:spMkLst>
+            <pc:docMk/>
+            <pc:sldMk cId="1789785821" sldId="263"/>
+            <ac:spMk id="26" creationId="{14DF629E-A21C-4B88-AA06-8EA85A7FDBA7}"/>
+          </ac:spMkLst>
+        </pc:spChg>
+        <pc:spChg chg="mod">
+          <ac:chgData name="sunita persad" userId="3f8766869e31e633" providerId="LiveId" clId="{4A4CBAA8-5145-4FF1-AD75-F052B8016C1F}" dt="2021-10-06T23:32:38.372" v="501" actId="1076"/>
+          <ac:spMkLst>
+            <pc:docMk/>
+            <pc:sldMk cId="1789785821" sldId="263"/>
+            <ac:spMk id="28" creationId="{39914607-3CE1-406E-A03A-25F04455E944}"/>
+          </ac:spMkLst>
+        </pc:spChg>
+        <pc:spChg chg="mod">
+          <ac:chgData name="sunita persad" userId="3f8766869e31e633" providerId="LiveId" clId="{4A4CBAA8-5145-4FF1-AD75-F052B8016C1F}" dt="2021-10-06T23:32:35.511" v="500" actId="1076"/>
+          <ac:spMkLst>
+            <pc:docMk/>
+            <pc:sldMk cId="1789785821" sldId="263"/>
+            <ac:spMk id="29" creationId="{EA348620-9EDB-49C4-BE82-545A6520BCD1}"/>
+          </ac:spMkLst>
+        </pc:spChg>
+        <pc:grpChg chg="add mod">
+          <ac:chgData name="sunita persad" userId="3f8766869e31e633" providerId="LiveId" clId="{4A4CBAA8-5145-4FF1-AD75-F052B8016C1F}" dt="2021-10-06T23:32:09.527" v="493" actId="14100"/>
+          <ac:grpSpMkLst>
+            <pc:docMk/>
+            <pc:sldMk cId="1789785821" sldId="263"/>
+            <ac:grpSpMk id="24" creationId="{32F5EEE3-987A-4A11-94DD-A42F19A8DEFE}"/>
+          </ac:grpSpMkLst>
+        </pc:grpChg>
+        <pc:grpChg chg="add mod">
+          <ac:chgData name="sunita persad" userId="3f8766869e31e633" providerId="LiveId" clId="{4A4CBAA8-5145-4FF1-AD75-F052B8016C1F}" dt="2021-10-06T23:32:43.594" v="502" actId="14100"/>
+          <ac:grpSpMkLst>
+            <pc:docMk/>
+            <pc:sldMk cId="1789785821" sldId="263"/>
+            <ac:grpSpMk id="27" creationId="{C04B638C-775F-4E8F-9046-16B975988D46}"/>
+          </ac:grpSpMkLst>
+        </pc:grpChg>
+        <pc:graphicFrameChg chg="mod">
+          <ac:chgData name="sunita persad" userId="3f8766869e31e633" providerId="LiveId" clId="{4A4CBAA8-5145-4FF1-AD75-F052B8016C1F}" dt="2021-10-06T23:31:23.083" v="483"/>
+          <ac:graphicFrameMkLst>
+            <pc:docMk/>
+            <pc:sldMk cId="1789785821" sldId="263"/>
+            <ac:graphicFrameMk id="46" creationId="{55990BF1-7BAF-4D26-8D06-89134E651A52}"/>
+          </ac:graphicFrameMkLst>
+        </pc:graphicFrameChg>
+      </pc:sldChg>
+      <pc:sldChg chg="modSp mod">
+        <pc:chgData name="sunita persad" userId="3f8766869e31e633" providerId="LiveId" clId="{4A4CBAA8-5145-4FF1-AD75-F052B8016C1F}" dt="2021-10-06T23:48:03.554" v="1390" actId="20577"/>
+        <pc:sldMkLst>
+          <pc:docMk/>
+          <pc:sldMk cId="786535372" sldId="264"/>
+        </pc:sldMkLst>
+        <pc:spChg chg="mod">
+          <ac:chgData name="sunita persad" userId="3f8766869e31e633" providerId="LiveId" clId="{4A4CBAA8-5145-4FF1-AD75-F052B8016C1F}" dt="2021-10-06T23:48:03.554" v="1390" actId="20577"/>
+          <ac:spMkLst>
+            <pc:docMk/>
+            <pc:sldMk cId="786535372" sldId="264"/>
+            <ac:spMk id="3" creationId="{9430D50D-5B93-42D6-B7F2-06D1F11DF0E9}"/>
+          </ac:spMkLst>
+        </pc:spChg>
+      </pc:sldChg>
+      <pc:sldChg chg="modSp mod">
+        <pc:chgData name="sunita persad" userId="3f8766869e31e633" providerId="LiveId" clId="{4A4CBAA8-5145-4FF1-AD75-F052B8016C1F}" dt="2021-10-06T23:48:57.687" v="1409" actId="20577"/>
+        <pc:sldMkLst>
+          <pc:docMk/>
+          <pc:sldMk cId="2876551567" sldId="265"/>
+        </pc:sldMkLst>
+        <pc:spChg chg="mod">
+          <ac:chgData name="sunita persad" userId="3f8766869e31e633" providerId="LiveId" clId="{4A4CBAA8-5145-4FF1-AD75-F052B8016C1F}" dt="2021-10-06T23:48:57.687" v="1409" actId="20577"/>
+          <ac:spMkLst>
+            <pc:docMk/>
+            <pc:sldMk cId="2876551567" sldId="265"/>
+            <ac:spMk id="3" creationId="{83903C9D-B9F1-42D1-AF5A-90455EE48BC7}"/>
+          </ac:spMkLst>
+        </pc:spChg>
+      </pc:sldChg>
+      <pc:sldChg chg="modSp mod">
+        <pc:chgData name="sunita persad" userId="3f8766869e31e633" providerId="LiveId" clId="{4A4CBAA8-5145-4FF1-AD75-F052B8016C1F}" dt="2021-10-06T23:29:07.045" v="428" actId="20577"/>
+        <pc:sldMkLst>
+          <pc:docMk/>
+          <pc:sldMk cId="2387706665" sldId="266"/>
+        </pc:sldMkLst>
+        <pc:spChg chg="mod">
+          <ac:chgData name="sunita persad" userId="3f8766869e31e633" providerId="LiveId" clId="{4A4CBAA8-5145-4FF1-AD75-F052B8016C1F}" dt="2021-10-06T23:29:07.045" v="428" actId="20577"/>
           <ac:spMkLst>
             <pc:docMk/>
             <pc:sldMk cId="2387706665" sldId="266"/>
@@ -3069,7 +3239,7 @@
         <a:lstStyle/>
         <a:p>
           <a:r>
-            <a:rPr lang="en-US"/>
+            <a:rPr lang="en-US" dirty="0"/>
             <a:t>JavaScript</a:t>
           </a:r>
         </a:p>
@@ -3141,7 +3311,7 @@
         <a:lstStyle/>
         <a:p>
           <a:r>
-            <a:rPr lang="en-US"/>
+            <a:rPr lang="en-US" dirty="0"/>
             <a:t>JSON</a:t>
           </a:r>
         </a:p>
@@ -3177,8 +3347,12 @@
         <a:lstStyle/>
         <a:p>
           <a:r>
-            <a:rPr lang="en-US"/>
-            <a:t>OpenWeatherMap API</a:t>
+            <a:rPr lang="en-US" dirty="0" err="1"/>
+            <a:t>OpenWeatherMap</a:t>
+          </a:r>
+          <a:r>
+            <a:rPr lang="en-US" dirty="0"/>
+            <a:t> API</a:t>
           </a:r>
         </a:p>
       </dgm:t>
@@ -3215,7 +3389,7 @@
       <dgm:spPr/>
     </dgm:pt>
     <dgm:pt modelId="{D6139EBE-CCE8-4929-B62A-E06E9C9764CB}" type="pres">
-      <dgm:prSet presAssocID="{D70B70AF-551C-4375-A1C6-AF15DED473CC}" presName="parentText" presStyleLbl="node1" presStyleIdx="0" presStyleCnt="5">
+      <dgm:prSet presAssocID="{D70B70AF-551C-4375-A1C6-AF15DED473CC}" presName="parentText" presStyleLbl="node1" presStyleIdx="0" presStyleCnt="5" custLinFactY="-47156" custLinFactNeighborX="708" custLinFactNeighborY="-100000">
         <dgm:presLayoutVars>
           <dgm:chMax val="0"/>
           <dgm:bulletEnabled val="1"/>
@@ -3228,7 +3402,7 @@
       <dgm:spPr/>
     </dgm:pt>
     <dgm:pt modelId="{E38641D1-B00E-44BA-B581-51F02190F1A7}" type="pres">
-      <dgm:prSet presAssocID="{0254A5BC-C008-49CA-B207-EB8977876C3B}" presName="parentText" presStyleLbl="node1" presStyleIdx="1" presStyleCnt="5">
+      <dgm:prSet presAssocID="{0254A5BC-C008-49CA-B207-EB8977876C3B}" presName="parentText" presStyleLbl="node1" presStyleIdx="1" presStyleCnt="5" custLinFactY="-9228" custLinFactNeighborY="-100000">
         <dgm:presLayoutVars>
           <dgm:chMax val="0"/>
           <dgm:bulletEnabled val="1"/>
@@ -3241,7 +3415,7 @@
       <dgm:spPr/>
     </dgm:pt>
     <dgm:pt modelId="{E6ECC7A7-468B-42BE-98AF-939475E9404F}" type="pres">
-      <dgm:prSet presAssocID="{B14FC987-BE48-4FD9-858B-B5B3F33CADE3}" presName="parentText" presStyleLbl="node1" presStyleIdx="2" presStyleCnt="5">
+      <dgm:prSet presAssocID="{B14FC987-BE48-4FD9-858B-B5B3F33CADE3}" presName="parentText" presStyleLbl="node1" presStyleIdx="2" presStyleCnt="5" custLinFactY="-18768" custLinFactNeighborY="-100000">
         <dgm:presLayoutVars>
           <dgm:chMax val="0"/>
           <dgm:bulletEnabled val="1"/>
@@ -3254,7 +3428,7 @@
       <dgm:spPr/>
     </dgm:pt>
     <dgm:pt modelId="{9828F2CA-B090-431F-9C64-B1BC4EE4AA4E}" type="pres">
-      <dgm:prSet presAssocID="{BAF24CCF-3A18-4BEE-B79C-01D5A946CF74}" presName="parentText" presStyleLbl="node1" presStyleIdx="3" presStyleCnt="5">
+      <dgm:prSet presAssocID="{BAF24CCF-3A18-4BEE-B79C-01D5A946CF74}" presName="parentText" presStyleLbl="node1" presStyleIdx="3" presStyleCnt="5" custLinFactY="-33585" custLinFactNeighborY="-100000">
         <dgm:presLayoutVars>
           <dgm:chMax val="0"/>
           <dgm:bulletEnabled val="1"/>
@@ -3267,7 +3441,7 @@
       <dgm:spPr/>
     </dgm:pt>
     <dgm:pt modelId="{1A4EFBBF-C9B0-4602-AEE8-77AC809E1A26}" type="pres">
-      <dgm:prSet presAssocID="{3F24E1BE-6F8D-4818-852F-3BDC5D7829A9}" presName="parentText" presStyleLbl="node1" presStyleIdx="4" presStyleCnt="5">
+      <dgm:prSet presAssocID="{3F24E1BE-6F8D-4818-852F-3BDC5D7829A9}" presName="parentText" presStyleLbl="node1" presStyleIdx="4" presStyleCnt="5" custLinFactY="-44378" custLinFactNeighborY="-100000">
         <dgm:presLayoutVars>
           <dgm:chMax val="0"/>
           <dgm:bulletEnabled val="1"/>
@@ -3800,7 +3974,7 @@
       </dsp:nvSpPr>
       <dsp:spPr>
         <a:xfrm>
-          <a:off x="0" y="61554"/>
+          <a:off x="0" y="0"/>
           <a:ext cx="4793456" cy="695565"/>
         </a:xfrm>
         <a:prstGeom prst="roundRect">
@@ -3866,7 +4040,7 @@
         </a:p>
       </dsp:txBody>
       <dsp:txXfrm>
-        <a:off x="33955" y="95509"/>
+        <a:off x="33955" y="33955"/>
         <a:ext cx="4725546" cy="627655"/>
       </dsp:txXfrm>
     </dsp:sp>
@@ -3877,7 +4051,7 @@
       </dsp:nvSpPr>
       <dsp:spPr>
         <a:xfrm>
-          <a:off x="0" y="840639"/>
+          <a:off x="0" y="692933"/>
           <a:ext cx="4793456" cy="695565"/>
         </a:xfrm>
         <a:prstGeom prst="roundRect">
@@ -3937,13 +4111,13 @@
             <a:buNone/>
           </a:pPr>
           <a:r>
-            <a:rPr lang="en-US" sz="2900" kern="1200"/>
+            <a:rPr lang="en-US" sz="2900" kern="1200" dirty="0"/>
             <a:t>JavaScript</a:t>
           </a:r>
         </a:p>
       </dsp:txBody>
       <dsp:txXfrm>
-        <a:off x="33955" y="874594"/>
+        <a:off x="33955" y="726888"/>
         <a:ext cx="4725546" cy="627655"/>
       </dsp:txXfrm>
     </dsp:sp>
@@ -3954,7 +4128,7 @@
       </dsp:nvSpPr>
       <dsp:spPr>
         <a:xfrm>
-          <a:off x="0" y="1619724"/>
+          <a:off x="0" y="1405661"/>
           <a:ext cx="4793456" cy="695565"/>
         </a:xfrm>
         <a:prstGeom prst="roundRect">
@@ -4020,7 +4194,7 @@
         </a:p>
       </dsp:txBody>
       <dsp:txXfrm>
-        <a:off x="33955" y="1653679"/>
+        <a:off x="33955" y="1439616"/>
         <a:ext cx="4725546" cy="627655"/>
       </dsp:txXfrm>
     </dsp:sp>
@@ -4031,7 +4205,7 @@
       </dsp:nvSpPr>
       <dsp:spPr>
         <a:xfrm>
-          <a:off x="0" y="2398810"/>
+          <a:off x="0" y="2081684"/>
           <a:ext cx="4793456" cy="695565"/>
         </a:xfrm>
         <a:prstGeom prst="roundRect">
@@ -4091,13 +4265,13 @@
             <a:buNone/>
           </a:pPr>
           <a:r>
-            <a:rPr lang="en-US" sz="2900" kern="1200"/>
+            <a:rPr lang="en-US" sz="2900" kern="1200" dirty="0"/>
             <a:t>JSON</a:t>
           </a:r>
         </a:p>
       </dsp:txBody>
       <dsp:txXfrm>
-        <a:off x="33955" y="2432765"/>
+        <a:off x="33955" y="2115639"/>
         <a:ext cx="4725546" cy="627655"/>
       </dsp:txXfrm>
     </dsp:sp>
@@ -4108,7 +4282,7 @@
       </dsp:nvSpPr>
       <dsp:spPr>
         <a:xfrm>
-          <a:off x="0" y="3177895"/>
+          <a:off x="0" y="2785697"/>
           <a:ext cx="4793456" cy="695565"/>
         </a:xfrm>
         <a:prstGeom prst="roundRect">
@@ -4168,13 +4342,17 @@
             <a:buNone/>
           </a:pPr>
           <a:r>
-            <a:rPr lang="en-US" sz="2900" kern="1200"/>
-            <a:t>OpenWeatherMap API</a:t>
+            <a:rPr lang="en-US" sz="2900" kern="1200" dirty="0" err="1"/>
+            <a:t>OpenWeatherMap</a:t>
+          </a:r>
+          <a:r>
+            <a:rPr lang="en-US" sz="2900" kern="1200" dirty="0"/>
+            <a:t> API</a:t>
           </a:r>
         </a:p>
       </dsp:txBody>
       <dsp:txXfrm>
-        <a:off x="33955" y="3211850"/>
+        <a:off x="33955" y="2819652"/>
         <a:ext cx="4725546" cy="627655"/>
       </dsp:txXfrm>
     </dsp:sp>
@@ -21809,7 +21987,7 @@
           </a:bodyPr>
           <a:lstStyle/>
           <a:p>
-            <a:pPr marL="457200" lvl="0" indent="-342900" algn="l" rtl="0">
+            <a:pPr marL="114300" lvl="0" indent="0" algn="l" rtl="0">
               <a:spcBef>
                 <a:spcPts val="0"/>
               </a:spcBef>
@@ -21817,13 +21995,9 @@
                 <a:spcPts val="0"/>
               </a:spcAft>
               <a:buSzPts val="1800"/>
-              <a:buChar char="●"/>
+              <a:buNone/>
             </a:pPr>
-            <a:r>
-              <a:rPr lang="en" dirty="0"/>
-              <a:t>Deployed</a:t>
-            </a:r>
-            <a:endParaRPr dirty="0"/>
+            <a:endParaRPr lang="en" dirty="0"/>
           </a:p>
           <a:p>
             <a:pPr marL="457200" lvl="0" indent="-342900" algn="l" rtl="0">
@@ -21837,9 +22011,48 @@
               <a:buChar char="●"/>
             </a:pPr>
             <a:r>
-              <a:rPr lang="en" dirty="0"/>
-              <a:t>GitHub repo</a:t>
+              <a:rPr lang="en-US" b="0" i="0" u="sng" dirty="0">
+                <a:effectLst/>
+                <a:latin typeface="-apple-system"/>
+                <a:hlinkClick r:id="rId3"/>
+              </a:rPr>
+              <a:t>https://sdesire.github.io/APIs-For-IPAs/</a:t>
             </a:r>
+            <a:endParaRPr lang="en-US" b="0" i="0" u="sng" dirty="0">
+              <a:effectLst/>
+              <a:latin typeface="-apple-system"/>
+            </a:endParaRPr>
+          </a:p>
+          <a:p>
+            <a:pPr marL="457200" lvl="0" indent="-342900" algn="l" rtl="0">
+              <a:spcBef>
+                <a:spcPts val="0"/>
+              </a:spcBef>
+              <a:spcAft>
+                <a:spcPts val="0"/>
+              </a:spcAft>
+              <a:buSzPts val="1800"/>
+              <a:buChar char="●"/>
+            </a:pPr>
+            <a:r>
+              <a:rPr lang="en-US" b="0" i="0" u="sng" dirty="0">
+                <a:effectLst/>
+                <a:latin typeface="-apple-system"/>
+              </a:rPr>
+              <a:t>https://github.com/sdesire/APIs-For-IPAs</a:t>
+            </a:r>
+          </a:p>
+          <a:p>
+            <a:pPr marL="114300" lvl="0" indent="0" algn="l" rtl="0">
+              <a:spcBef>
+                <a:spcPts val="0"/>
+              </a:spcBef>
+              <a:spcAft>
+                <a:spcPts val="0"/>
+              </a:spcAft>
+              <a:buSzPts val="1800"/>
+              <a:buNone/>
+            </a:pPr>
             <a:endParaRPr dirty="0"/>
           </a:p>
         </p:txBody>
@@ -22030,7 +22243,7 @@
         </p:nvSpPr>
         <p:spPr>
           <a:xfrm>
-            <a:off x="311700" y="1827390"/>
+            <a:off x="311700" y="1727100"/>
             <a:ext cx="8520600" cy="3416400"/>
           </a:xfrm>
           <a:prstGeom prst="rect">
@@ -22069,10 +22282,7 @@
               <a:buSzPts val="1800"/>
               <a:buNone/>
             </a:pPr>
-            <a:r>
-              <a:rPr lang="en" dirty="0"/>
-              <a:t>        Combining brewery api with open weather api…</a:t>
-            </a:r>
+            <a:endParaRPr lang="en" dirty="0"/>
           </a:p>
           <a:p>
             <a:pPr marL="114300" lvl="0" indent="0" algn="l" rtl="0">
@@ -22085,7 +22295,10 @@
               <a:buSzPts val="1800"/>
               <a:buNone/>
             </a:pPr>
-            <a:endParaRPr lang="en" dirty="0"/>
+            <a:r>
+              <a:rPr lang="en" dirty="0"/>
+              <a:t>This project demonstrates a fun website to support and help create a relaxing leisurely travel experience by combining a brewery api with an open weather api to display a selection of nearby breweries based on the user’s input for location as well as the current weather description</a:t>
+            </a:r>
           </a:p>
           <a:p>
             <a:pPr marL="114300" lvl="0" indent="0" algn="l" rtl="0">
@@ -22210,7 +22423,7 @@
         <p:spPr>
           <a:xfrm>
             <a:off x="434970" y="4190644"/>
-            <a:ext cx="8447336" cy="507831"/>
+            <a:ext cx="8447336" cy="923330"/>
           </a:xfrm>
           <a:prstGeom prst="rect">
             <a:avLst/>
@@ -22222,6 +22435,18 @@
             <a:spAutoFit/>
           </a:bodyPr>
           <a:lstStyle/>
+          <a:p>
+            <a:endParaRPr lang="en-US" sz="1350" dirty="0">
+              <a:latin typeface="Roboto" panose="02000000000000000000" pitchFamily="2" charset="0"/>
+              <a:ea typeface="Roboto" panose="02000000000000000000" pitchFamily="2" charset="0"/>
+            </a:endParaRPr>
+          </a:p>
+          <a:p>
+            <a:endParaRPr lang="en-US" sz="1350" dirty="0">
+              <a:latin typeface="Roboto" panose="02000000000000000000" pitchFamily="2" charset="0"/>
+              <a:ea typeface="Roboto" panose="02000000000000000000" pitchFamily="2" charset="0"/>
+            </a:endParaRPr>
+          </a:p>
           <a:p>
             <a:r>
               <a:rPr lang="en-US" sz="1350" dirty="0">
@@ -24069,13 +24294,13 @@
           <p:nvPr>
             <p:extLst>
               <p:ext uri="{D42A27DB-BD31-4B8C-83A1-F6EECF244321}">
-                <p14:modId xmlns:p14="http://schemas.microsoft.com/office/powerpoint/2010/main" val="1176499857"/>
+                <p14:modId xmlns:p14="http://schemas.microsoft.com/office/powerpoint/2010/main" val="1821394634"/>
               </p:ext>
             </p:extLst>
           </p:nvPr>
         </p:nvGraphicFramePr>
         <p:xfrm>
-          <a:off x="3895725" y="606028"/>
+          <a:off x="3886232" y="212299"/>
           <a:ext cx="4793456" cy="3935015"/>
         </p:xfrm>
         <a:graphic>
@@ -24084,6 +24309,279 @@
           </a:graphicData>
         </a:graphic>
       </p:graphicFrame>
+      <p:grpSp>
+        <p:nvGrpSpPr>
+          <p:cNvPr id="24" name="Group 23">
+            <a:extLst>
+              <a:ext uri="{FF2B5EF4-FFF2-40B4-BE49-F238E27FC236}">
+                <a16:creationId xmlns:a16="http://schemas.microsoft.com/office/drawing/2014/main" id="{32F5EEE3-987A-4A11-94DD-A42F19A8DEFE}"/>
+              </a:ext>
+            </a:extLst>
+          </p:cNvPr>
+          <p:cNvGrpSpPr/>
+          <p:nvPr/>
+        </p:nvGrpSpPr>
+        <p:grpSpPr>
+          <a:xfrm>
+            <a:off x="3857220" y="3672283"/>
+            <a:ext cx="4822468" cy="695565"/>
+            <a:chOff x="0" y="61554"/>
+            <a:chExt cx="4793456" cy="695565"/>
+          </a:xfrm>
+        </p:grpSpPr>
+        <p:sp>
+          <p:nvSpPr>
+            <p:cNvPr id="25" name="Rectangle: Rounded Corners 24">
+              <a:extLst>
+                <a:ext uri="{FF2B5EF4-FFF2-40B4-BE49-F238E27FC236}">
+                  <a16:creationId xmlns:a16="http://schemas.microsoft.com/office/drawing/2014/main" id="{D5D4C636-FBFF-4DEA-A712-579E2F1816FD}"/>
+                </a:ext>
+              </a:extLst>
+            </p:cNvPr>
+            <p:cNvSpPr/>
+            <p:nvPr/>
+          </p:nvSpPr>
+          <p:spPr>
+            <a:xfrm>
+              <a:off x="0" y="61554"/>
+              <a:ext cx="4793456" cy="695565"/>
+            </a:xfrm>
+            <a:prstGeom prst="roundRect">
+              <a:avLst/>
+            </a:prstGeom>
+          </p:spPr>
+          <p:style>
+            <a:lnRef idx="2">
+              <a:schemeClr val="lt1">
+                <a:hueOff val="0"/>
+                <a:satOff val="0"/>
+                <a:lumOff val="0"/>
+                <a:alphaOff val="0"/>
+              </a:schemeClr>
+            </a:lnRef>
+            <a:fillRef idx="1">
+              <a:schemeClr val="accent2">
+                <a:hueOff val="0"/>
+                <a:satOff val="0"/>
+                <a:lumOff val="0"/>
+                <a:alphaOff val="0"/>
+              </a:schemeClr>
+            </a:fillRef>
+            <a:effectRef idx="0">
+              <a:schemeClr val="accent2">
+                <a:hueOff val="0"/>
+                <a:satOff val="0"/>
+                <a:lumOff val="0"/>
+                <a:alphaOff val="0"/>
+              </a:schemeClr>
+            </a:effectRef>
+            <a:fontRef idx="minor">
+              <a:schemeClr val="lt1"/>
+            </a:fontRef>
+          </p:style>
+        </p:sp>
+        <p:sp>
+          <p:nvSpPr>
+            <p:cNvPr id="26" name="Rectangle: Rounded Corners 4">
+              <a:extLst>
+                <a:ext uri="{FF2B5EF4-FFF2-40B4-BE49-F238E27FC236}">
+                  <a16:creationId xmlns:a16="http://schemas.microsoft.com/office/drawing/2014/main" id="{14DF629E-A21C-4B88-AA06-8EA85A7FDBA7}"/>
+                </a:ext>
+              </a:extLst>
+            </p:cNvPr>
+            <p:cNvSpPr txBox="1"/>
+            <p:nvPr/>
+          </p:nvSpPr>
+          <p:spPr>
+            <a:xfrm>
+              <a:off x="33955" y="95509"/>
+              <a:ext cx="4725546" cy="627655"/>
+            </a:xfrm>
+            <a:prstGeom prst="rect">
+              <a:avLst/>
+            </a:prstGeom>
+          </p:spPr>
+          <p:style>
+            <a:lnRef idx="0">
+              <a:scrgbClr r="0" g="0" b="0"/>
+            </a:lnRef>
+            <a:fillRef idx="0">
+              <a:scrgbClr r="0" g="0" b="0"/>
+            </a:fillRef>
+            <a:effectRef idx="0">
+              <a:scrgbClr r="0" g="0" b="0"/>
+            </a:effectRef>
+            <a:fontRef idx="minor">
+              <a:schemeClr val="lt1"/>
+            </a:fontRef>
+          </p:style>
+          <p:txBody>
+            <a:bodyPr spcFirstLastPara="0" vert="horz" wrap="square" lIns="110490" tIns="110490" rIns="110490" bIns="110490" numCol="1" spcCol="1270" anchor="ctr" anchorCtr="0">
+              <a:noAutofit/>
+            </a:bodyPr>
+            <a:lstStyle/>
+            <a:p>
+              <a:pPr marL="0" lvl="0" indent="0" algn="l" defTabSz="1289050">
+                <a:lnSpc>
+                  <a:spcPct val="90000"/>
+                </a:lnSpc>
+                <a:spcBef>
+                  <a:spcPct val="0"/>
+                </a:spcBef>
+                <a:spcAft>
+                  <a:spcPct val="35000"/>
+                </a:spcAft>
+                <a:buNone/>
+              </a:pPr>
+              <a:r>
+                <a:rPr lang="en-US" sz="2900" kern="1200" dirty="0"/>
+                <a:t>Brewery API</a:t>
+              </a:r>
+            </a:p>
+          </p:txBody>
+        </p:sp>
+      </p:grpSp>
+      <p:grpSp>
+        <p:nvGrpSpPr>
+          <p:cNvPr id="27" name="Group 26">
+            <a:extLst>
+              <a:ext uri="{FF2B5EF4-FFF2-40B4-BE49-F238E27FC236}">
+                <a16:creationId xmlns:a16="http://schemas.microsoft.com/office/drawing/2014/main" id="{C04B638C-775F-4E8F-9046-16B975988D46}"/>
+              </a:ext>
+            </a:extLst>
+          </p:cNvPr>
+          <p:cNvGrpSpPr/>
+          <p:nvPr/>
+        </p:nvGrpSpPr>
+        <p:grpSpPr>
+          <a:xfrm>
+            <a:off x="3840364" y="4371270"/>
+            <a:ext cx="4839323" cy="695565"/>
+            <a:chOff x="-174847" y="55717"/>
+            <a:chExt cx="4793456" cy="695565"/>
+          </a:xfrm>
+          <a:solidFill>
+            <a:srgbClr val="00B050"/>
+          </a:solidFill>
+        </p:grpSpPr>
+        <p:sp>
+          <p:nvSpPr>
+            <p:cNvPr id="28" name="Rectangle: Rounded Corners 27">
+              <a:extLst>
+                <a:ext uri="{FF2B5EF4-FFF2-40B4-BE49-F238E27FC236}">
+                  <a16:creationId xmlns:a16="http://schemas.microsoft.com/office/drawing/2014/main" id="{39914607-3CE1-406E-A03A-25F04455E944}"/>
+                </a:ext>
+              </a:extLst>
+            </p:cNvPr>
+            <p:cNvSpPr/>
+            <p:nvPr/>
+          </p:nvSpPr>
+          <p:spPr>
+            <a:xfrm>
+              <a:off x="-174847" y="55717"/>
+              <a:ext cx="4793456" cy="695565"/>
+            </a:xfrm>
+            <a:prstGeom prst="roundRect">
+              <a:avLst/>
+            </a:prstGeom>
+            <a:grpFill/>
+          </p:spPr>
+          <p:style>
+            <a:lnRef idx="2">
+              <a:schemeClr val="lt1">
+                <a:hueOff val="0"/>
+                <a:satOff val="0"/>
+                <a:lumOff val="0"/>
+                <a:alphaOff val="0"/>
+              </a:schemeClr>
+            </a:lnRef>
+            <a:fillRef idx="1">
+              <a:schemeClr val="accent2">
+                <a:hueOff val="0"/>
+                <a:satOff val="0"/>
+                <a:lumOff val="0"/>
+                <a:alphaOff val="0"/>
+              </a:schemeClr>
+            </a:fillRef>
+            <a:effectRef idx="0">
+              <a:schemeClr val="accent2">
+                <a:hueOff val="0"/>
+                <a:satOff val="0"/>
+                <a:lumOff val="0"/>
+                <a:alphaOff val="0"/>
+              </a:schemeClr>
+            </a:effectRef>
+            <a:fontRef idx="minor">
+              <a:schemeClr val="lt1"/>
+            </a:fontRef>
+          </p:style>
+        </p:sp>
+        <p:sp>
+          <p:nvSpPr>
+            <p:cNvPr id="29" name="Rectangle: Rounded Corners 4">
+              <a:extLst>
+                <a:ext uri="{FF2B5EF4-FFF2-40B4-BE49-F238E27FC236}">
+                  <a16:creationId xmlns:a16="http://schemas.microsoft.com/office/drawing/2014/main" id="{EA348620-9EDB-49C4-BE82-545A6520BCD1}"/>
+                </a:ext>
+              </a:extLst>
+            </p:cNvPr>
+            <p:cNvSpPr txBox="1"/>
+            <p:nvPr/>
+          </p:nvSpPr>
+          <p:spPr>
+            <a:xfrm>
+              <a:off x="123229" y="70304"/>
+              <a:ext cx="3914590" cy="627655"/>
+            </a:xfrm>
+            <a:prstGeom prst="rect">
+              <a:avLst/>
+            </a:prstGeom>
+            <a:grpFill/>
+          </p:spPr>
+          <p:style>
+            <a:lnRef idx="0">
+              <a:scrgbClr r="0" g="0" b="0"/>
+            </a:lnRef>
+            <a:fillRef idx="0">
+              <a:scrgbClr r="0" g="0" b="0"/>
+            </a:fillRef>
+            <a:effectRef idx="0">
+              <a:scrgbClr r="0" g="0" b="0"/>
+            </a:effectRef>
+            <a:fontRef idx="minor">
+              <a:schemeClr val="lt1"/>
+            </a:fontRef>
+          </p:style>
+          <p:txBody>
+            <a:bodyPr spcFirstLastPara="0" vert="horz" wrap="square" lIns="110490" tIns="110490" rIns="110490" bIns="110490" numCol="1" spcCol="1270" anchor="ctr" anchorCtr="0">
+              <a:noAutofit/>
+            </a:bodyPr>
+            <a:lstStyle/>
+            <a:p>
+              <a:pPr marL="0" lvl="0" indent="0" algn="l" defTabSz="1289050">
+                <a:lnSpc>
+                  <a:spcPct val="90000"/>
+                </a:lnSpc>
+                <a:spcBef>
+                  <a:spcPct val="0"/>
+                </a:spcBef>
+                <a:spcAft>
+                  <a:spcPct val="35000"/>
+                </a:spcAft>
+                <a:buNone/>
+              </a:pPr>
+              <a:r>
+                <a:rPr lang="en-US" sz="2900" kern="1200" dirty="0" err="1"/>
+                <a:t>Bulma</a:t>
+              </a:r>
+              <a:r>
+                <a:rPr lang="en-US" sz="2900" kern="1200" dirty="0"/>
+                <a:t> Framework</a:t>
+              </a:r>
+            </a:p>
+          </p:txBody>
+        </p:sp>
+      </p:grpSp>
     </p:spTree>
     <p:extLst>
       <p:ext uri="{BB962C8B-B14F-4D97-AF65-F5344CB8AC3E}">
@@ -24169,7 +24667,7 @@
           <a:lstStyle/>
           <a:p>
             <a:r>
-              <a:rPr lang="en-US" sz="1200" u="sng" dirty="0">
+              <a:rPr lang="en-US" sz="1050" u="sng" dirty="0">
                 <a:highlight>
                   <a:srgbClr val="FFFF00"/>
                 </a:highlight>
@@ -24177,13 +24675,13 @@
               <a:t>Jared</a:t>
             </a:r>
             <a:r>
-              <a:rPr lang="en-US" sz="1200" dirty="0"/>
+              <a:rPr lang="en-US" sz="1050" dirty="0"/>
               <a:t> – Performed wireframing strategy in early phases to visualize layout</a:t>
             </a:r>
           </a:p>
           <a:p>
             <a:r>
-              <a:rPr lang="en-US" sz="1200" u="sng" dirty="0">
+              <a:rPr lang="en-US" sz="1050" u="sng" dirty="0">
                 <a:highlight>
                   <a:srgbClr val="00FF00"/>
                 </a:highlight>
@@ -24191,11 +24689,11 @@
               <a:t>Sunita</a:t>
             </a:r>
             <a:r>
-              <a:rPr lang="en-US" sz="1200" u="sng" dirty="0"/>
+              <a:rPr lang="en-US" sz="1050" u="sng" dirty="0"/>
               <a:t> + </a:t>
             </a:r>
             <a:r>
-              <a:rPr lang="en-US" sz="1200" u="sng" dirty="0">
+              <a:rPr lang="en-US" sz="1050" u="sng" dirty="0">
                 <a:highlight>
                   <a:srgbClr val="FFFF00"/>
                 </a:highlight>
@@ -24203,18 +24701,18 @@
               <a:t>Jared </a:t>
             </a:r>
             <a:r>
-              <a:rPr lang="en-US" sz="1200" dirty="0"/>
+              <a:rPr lang="en-US" sz="1050" dirty="0"/>
               <a:t>– Researched documentation for weather </a:t>
             </a:r>
             <a:r>
-              <a:rPr lang="en-US" sz="1200" dirty="0" err="1"/>
+              <a:rPr lang="en-US" sz="1050" dirty="0" err="1"/>
               <a:t>api</a:t>
             </a:r>
-            <a:endParaRPr lang="en-US" sz="1200" dirty="0"/>
+            <a:endParaRPr lang="en-US" sz="1050" dirty="0"/>
           </a:p>
           <a:p>
             <a:r>
-              <a:rPr lang="en-US" sz="1200" u="sng" dirty="0">
+              <a:rPr lang="en-US" sz="1050" u="sng" dirty="0">
                 <a:highlight>
                   <a:srgbClr val="00FFFF"/>
                 </a:highlight>
@@ -24222,11 +24720,11 @@
               <a:t>Bradley</a:t>
             </a:r>
             <a:r>
-              <a:rPr lang="en-US" sz="1200" u="sng" dirty="0"/>
+              <a:rPr lang="en-US" sz="1050" u="sng" dirty="0"/>
               <a:t>/</a:t>
             </a:r>
             <a:r>
-              <a:rPr lang="en-US" sz="1200" u="sng" dirty="0">
+              <a:rPr lang="en-US" sz="1050" u="sng" dirty="0">
                 <a:highlight>
                   <a:srgbClr val="FF0000"/>
                 </a:highlight>
@@ -24234,11 +24732,11 @@
               <a:t>Sean</a:t>
             </a:r>
             <a:r>
-              <a:rPr lang="en-US" sz="1200" u="sng" dirty="0"/>
+              <a:rPr lang="en-US" sz="1050" u="sng" dirty="0"/>
               <a:t>/</a:t>
             </a:r>
             <a:r>
-              <a:rPr lang="en-US" sz="1200" u="sng" dirty="0">
+              <a:rPr lang="en-US" sz="1050" u="sng" dirty="0">
                 <a:highlight>
                   <a:srgbClr val="0000FF"/>
                 </a:highlight>
@@ -24246,22 +24744,22 @@
               <a:t>Julio</a:t>
             </a:r>
             <a:r>
-              <a:rPr lang="en-US" sz="1200" u="sng" dirty="0"/>
+              <a:rPr lang="en-US" sz="1050" u="sng" dirty="0"/>
               <a:t> </a:t>
             </a:r>
             <a:r>
-              <a:rPr lang="en-US" sz="1200" dirty="0"/>
+              <a:rPr lang="en-US" sz="1050" dirty="0"/>
               <a:t>– Researched documentation for brewery </a:t>
             </a:r>
             <a:r>
-              <a:rPr lang="en-US" sz="1200" dirty="0" err="1"/>
+              <a:rPr lang="en-US" sz="1050" dirty="0" err="1"/>
               <a:t>api</a:t>
             </a:r>
-            <a:endParaRPr lang="en-US" sz="1200" dirty="0"/>
+            <a:endParaRPr lang="en-US" sz="1050" dirty="0"/>
           </a:p>
           <a:p>
             <a:r>
-              <a:rPr lang="en-US" sz="1200" u="sng" dirty="0">
+              <a:rPr lang="en-US" sz="1050" u="sng" dirty="0">
                 <a:highlight>
                   <a:srgbClr val="00FF00"/>
                 </a:highlight>
@@ -24269,13 +24767,13 @@
               <a:t>Sunita</a:t>
             </a:r>
             <a:r>
-              <a:rPr lang="en-US" sz="1200" dirty="0"/>
+              <a:rPr lang="en-US" sz="1050" dirty="0"/>
               <a:t> – Created boilerplate code for index.html and CSS, developed  and initialized variables on the JavaScript file for weather, and created ids and classes to be applied for index.html, CSS and JavaScript</a:t>
             </a:r>
           </a:p>
           <a:p>
             <a:r>
-              <a:rPr lang="en-US" sz="1200" u="sng" dirty="0">
+              <a:rPr lang="en-US" sz="1050" u="sng" dirty="0">
                 <a:highlight>
                   <a:srgbClr val="00FF00"/>
                 </a:highlight>
@@ -24283,26 +24781,13 @@
               <a:t>Sunita</a:t>
             </a:r>
             <a:r>
-              <a:rPr lang="en-US" sz="1200" dirty="0"/>
-              <a:t>– Worked on research for open weather map </a:t>
+              <a:rPr lang="en-US" sz="1050" dirty="0"/>
+              <a:t>– Prepared slide decks </a:t>
             </a:r>
-            <a:r>
-              <a:rPr lang="en-US" sz="1200" dirty="0" err="1"/>
-              <a:t>api</a:t>
-            </a:r>
-            <a:r>
-              <a:rPr lang="en-US" sz="1200" dirty="0"/>
-              <a:t> to </a:t>
-            </a:r>
-            <a:r>
-              <a:rPr lang="en-US" sz="1200"/>
-              <a:t>insert in code</a:t>
-            </a:r>
-            <a:endParaRPr lang="en-US" sz="1200" dirty="0"/>
           </a:p>
           <a:p>
             <a:r>
-              <a:rPr lang="en-US" sz="1200" u="sng" dirty="0">
+              <a:rPr lang="en-US" sz="1050" u="sng" dirty="0">
                 <a:highlight>
                   <a:srgbClr val="00FF00"/>
                 </a:highlight>
@@ -24310,25 +24795,25 @@
               <a:t>Sunita</a:t>
             </a:r>
             <a:r>
-              <a:rPr lang="en-US" sz="1200" u="sng" dirty="0"/>
+              <a:rPr lang="en-US" sz="1050" u="sng" dirty="0"/>
               <a:t>:</a:t>
             </a:r>
             <a:r>
-              <a:rPr lang="en-US" sz="1200" dirty="0"/>
+              <a:rPr lang="en-US" sz="1050" dirty="0"/>
               <a:t> Applied fetch function to insert weather </a:t>
             </a:r>
             <a:r>
-              <a:rPr lang="en-US" sz="1200" dirty="0" err="1"/>
+              <a:rPr lang="en-US" sz="1050" dirty="0" err="1"/>
               <a:t>api</a:t>
             </a:r>
             <a:r>
-              <a:rPr lang="en-US" sz="1200" dirty="0"/>
+              <a:rPr lang="en-US" sz="1050" dirty="0"/>
               <a:t> to show current temperature and cloud description</a:t>
             </a:r>
           </a:p>
           <a:p>
             <a:r>
-              <a:rPr lang="en-US" sz="1200" u="sng" dirty="0">
+              <a:rPr lang="en-US" sz="1050" u="sng" dirty="0">
                 <a:highlight>
                   <a:srgbClr val="FFFF00"/>
                 </a:highlight>
@@ -24336,29 +24821,29 @@
               <a:t>Jared</a:t>
             </a:r>
             <a:r>
-              <a:rPr lang="en-US" sz="1200" dirty="0"/>
+              <a:rPr lang="en-US" sz="1050" dirty="0"/>
               <a:t> – Further improved </a:t>
             </a:r>
             <a:r>
-              <a:rPr lang="en-US" sz="1200" dirty="0" err="1"/>
+              <a:rPr lang="en-US" sz="1050" dirty="0" err="1"/>
               <a:t>Javascript</a:t>
             </a:r>
             <a:r>
-              <a:rPr lang="en-US" sz="1200" dirty="0"/>
+              <a:rPr lang="en-US" sz="1050" dirty="0"/>
               <a:t> code for weather by supplying functional </a:t>
             </a:r>
             <a:r>
-              <a:rPr lang="en-US" sz="1200" dirty="0" err="1"/>
+              <a:rPr lang="en-US" sz="1050" dirty="0" err="1"/>
               <a:t>api</a:t>
             </a:r>
             <a:r>
-              <a:rPr lang="en-US" sz="1200" dirty="0"/>
-              <a:t> key to help display weather, added five-day forecast, implemented units of measurement in which to display temperature and added weather icons</a:t>
+              <a:rPr lang="en-US" sz="1050" dirty="0"/>
+              <a:t> key to help display weather and implemented units of measurement in which to display temperature and added weather icons</a:t>
             </a:r>
           </a:p>
           <a:p>
             <a:r>
-              <a:rPr lang="en-US" sz="1200" u="sng" dirty="0">
+              <a:rPr lang="en-US" sz="1050" u="sng" dirty="0">
                 <a:highlight>
                   <a:srgbClr val="00FFFF"/>
                 </a:highlight>
@@ -24366,11 +24851,11 @@
               <a:t>Bradley</a:t>
             </a:r>
             <a:r>
-              <a:rPr lang="en-US" sz="1200" u="sng" dirty="0"/>
+              <a:rPr lang="en-US" sz="1050" u="sng" dirty="0"/>
               <a:t>/</a:t>
             </a:r>
             <a:r>
-              <a:rPr lang="en-US" sz="1200" u="sng" dirty="0">
+              <a:rPr lang="en-US" sz="1050" u="sng" dirty="0">
                 <a:highlight>
                   <a:srgbClr val="FF0000"/>
                 </a:highlight>
@@ -24378,11 +24863,11 @@
               <a:t>Sean</a:t>
             </a:r>
             <a:r>
-              <a:rPr lang="en-US" sz="1200" u="sng" dirty="0"/>
+              <a:rPr lang="en-US" sz="1050" u="sng" dirty="0"/>
               <a:t>/</a:t>
             </a:r>
             <a:r>
-              <a:rPr lang="en-US" sz="1200" u="sng" dirty="0">
+              <a:rPr lang="en-US" sz="1050" u="sng" dirty="0">
                 <a:highlight>
                   <a:srgbClr val="0000FF"/>
                 </a:highlight>
@@ -24390,13 +24875,91 @@
               <a:t>Julio </a:t>
             </a:r>
             <a:r>
-              <a:rPr lang="en-US" sz="1200" dirty="0"/>
+              <a:rPr lang="en-US" sz="1050" dirty="0"/>
               <a:t>– Worked on DOM additions for brewery </a:t>
             </a:r>
             <a:r>
-              <a:rPr lang="en-US" sz="1200" dirty="0" err="1"/>
+              <a:rPr lang="en-US" sz="1050" dirty="0" err="1"/>
               <a:t>api</a:t>
             </a:r>
+            <a:endParaRPr lang="en-US" sz="1050" dirty="0"/>
+          </a:p>
+          <a:p>
+            <a:r>
+              <a:rPr lang="en-US" sz="1050" u="sng" dirty="0">
+                <a:highlight>
+                  <a:srgbClr val="00FFFF"/>
+                </a:highlight>
+              </a:rPr>
+              <a:t>Bradley: </a:t>
+            </a:r>
+            <a:r>
+              <a:rPr lang="en-US" sz="1050" dirty="0"/>
+              <a:t>displaying the information generated by the user in the DOM as a dynamic list, and making the phone and website hyperlinks dynamic</a:t>
+            </a:r>
+          </a:p>
+          <a:p>
+            <a:r>
+              <a:rPr lang="en-US" sz="1050" u="sng" dirty="0">
+                <a:highlight>
+                  <a:srgbClr val="00FFFF"/>
+                </a:highlight>
+              </a:rPr>
+              <a:t>Bradley: </a:t>
+            </a:r>
+            <a:r>
+              <a:rPr lang="en-US" sz="1050" dirty="0"/>
+              <a:t>Found the proper format structure for the brewery API, allowing for the user to select City as well as state, and displayed in alphabetical order and also learning and implementing </a:t>
+            </a:r>
+            <a:r>
+              <a:rPr lang="en-US" sz="1050" dirty="0" err="1"/>
+              <a:t>Bulma</a:t>
+            </a:r>
+            <a:endParaRPr lang="en-US" sz="1050" dirty="0"/>
+          </a:p>
+          <a:p>
+            <a:r>
+              <a:rPr lang="en-US" sz="1050" u="sng" dirty="0">
+                <a:highlight>
+                  <a:srgbClr val="0000FF"/>
+                </a:highlight>
+              </a:rPr>
+              <a:t>Julio: </a:t>
+            </a:r>
+            <a:r>
+              <a:rPr lang="en-US" sz="1050" dirty="0"/>
+              <a:t>Created for loops to take the captured user data and make it filterable and also  if none of the options were selected by the user, all of the options would be selected</a:t>
+            </a:r>
+          </a:p>
+          <a:p>
+            <a:r>
+              <a:rPr lang="en-US" sz="1050" u="sng" dirty="0">
+                <a:solidFill>
+                  <a:schemeClr val="tx1"/>
+                </a:solidFill>
+                <a:highlight>
+                  <a:srgbClr val="FF0000"/>
+                </a:highlight>
+              </a:rPr>
+              <a:t>Sean</a:t>
+            </a:r>
+            <a:r>
+              <a:rPr lang="en-US" sz="1050" dirty="0"/>
+              <a:t> – boiler plate code for brewery </a:t>
+            </a:r>
+            <a:r>
+              <a:rPr lang="en-US" sz="1050" dirty="0" err="1"/>
+              <a:t>api</a:t>
+            </a:r>
+            <a:r>
+              <a:rPr lang="en-US" sz="1050" dirty="0"/>
+              <a:t> to be inserted and allowed the enter key to run the function created to get brewery information</a:t>
+            </a:r>
+          </a:p>
+          <a:p>
+            <a:pPr marL="114300" indent="0">
+              <a:buNone/>
+            </a:pPr>
             <a:endParaRPr lang="en-US" sz="1200" dirty="0"/>
           </a:p>
           <a:p>
@@ -24483,7 +25046,7 @@
         </p:nvSpPr>
         <p:spPr>
           <a:xfrm>
-            <a:off x="240263" y="1623963"/>
+            <a:off x="225976" y="1938288"/>
             <a:ext cx="8520600" cy="3416400"/>
           </a:xfrm>
         </p:spPr>
@@ -24510,6 +25073,39 @@
             <a:r>
               <a:rPr lang="en-US" dirty="0"/>
               <a:t> on the JavaScript file.  After console.log was applied, the console displayed an error message of “401” </a:t>
+            </a:r>
+          </a:p>
+          <a:p>
+            <a:pPr marL="114300" indent="0">
+              <a:buNone/>
+            </a:pPr>
+            <a:endParaRPr lang="en-US" dirty="0"/>
+          </a:p>
+          <a:p>
+            <a:r>
+              <a:rPr lang="en-US" dirty="0"/>
+              <a:t>Executing a function by pressing the enter key to give the user the ability to use the enter key</a:t>
+            </a:r>
+          </a:p>
+          <a:p>
+            <a:pPr marL="114300" indent="0">
+              <a:buNone/>
+            </a:pPr>
+            <a:endParaRPr lang="en-US" dirty="0"/>
+          </a:p>
+          <a:p>
+            <a:r>
+              <a:rPr lang="en-US" dirty="0"/>
+              <a:t>Getting the phone numbers and the websites of the breweries to be displayed as dynamic hyperlinks.</a:t>
+            </a:r>
+          </a:p>
+          <a:p>
+            <a:endParaRPr lang="en-US" dirty="0"/>
+          </a:p>
+          <a:p>
+            <a:r>
+              <a:rPr lang="en-US" dirty="0"/>
+              <a:t>Get weather icons to display when city is entered and  to get the Temperature to display without decimals to a whole number.</a:t>
             </a:r>
           </a:p>
           <a:p>
@@ -24596,7 +25192,7 @@
         </p:nvSpPr>
         <p:spPr>
           <a:xfrm>
-            <a:off x="311700" y="1645393"/>
+            <a:off x="311700" y="1727100"/>
             <a:ext cx="8520600" cy="3416400"/>
           </a:xfrm>
         </p:spPr>
@@ -24626,10 +25222,77 @@
             </a:r>
           </a:p>
           <a:p>
+            <a:pPr marL="114300" indent="0">
+              <a:buNone/>
+            </a:pPr>
+            <a:endParaRPr lang="en-US" dirty="0"/>
+          </a:p>
+          <a:p>
             <a:r>
               <a:rPr lang="en-US" dirty="0"/>
-              <a:t> </a:t>
+              <a:t>Using JavaScript to manipulate the DOM using </a:t>
             </a:r>
+            <a:r>
+              <a:rPr lang="en-US" dirty="0" err="1"/>
+              <a:t>createElement</a:t>
+            </a:r>
+            <a:r>
+              <a:rPr lang="en-US" dirty="0"/>
+              <a:t> and </a:t>
+            </a:r>
+            <a:r>
+              <a:rPr lang="en-US" dirty="0" err="1"/>
+              <a:t>innerhtml</a:t>
+            </a:r>
+            <a:r>
+              <a:rPr lang="en-US" dirty="0"/>
+              <a:t>, allowing each part of the JSON objects chosen to be displayed in a new element. This was achieved using a for each loop</a:t>
+            </a:r>
+          </a:p>
+          <a:p>
+            <a:endParaRPr lang="en-US" dirty="0"/>
+          </a:p>
+          <a:p>
+            <a:r>
+              <a:rPr lang="en-US" dirty="0"/>
+              <a:t>Using </a:t>
+            </a:r>
+            <a:r>
+              <a:rPr lang="en-US" dirty="0" err="1"/>
+              <a:t>createElement</a:t>
+            </a:r>
+            <a:r>
+              <a:rPr lang="en-US" dirty="0"/>
+              <a:t> to create anchor tags that have been given a </a:t>
+            </a:r>
+            <a:r>
+              <a:rPr lang="en-US" dirty="0" err="1"/>
+              <a:t>href</a:t>
+            </a:r>
+            <a:r>
+              <a:rPr lang="en-US" dirty="0"/>
+              <a:t> using </a:t>
+            </a:r>
+            <a:r>
+              <a:rPr lang="en-US" dirty="0" err="1"/>
+              <a:t>setAttribute</a:t>
+            </a:r>
+            <a:endParaRPr lang="en-US" dirty="0"/>
+          </a:p>
+          <a:p>
+            <a:endParaRPr lang="en-US" dirty="0"/>
+          </a:p>
+          <a:p>
+            <a:r>
+              <a:rPr lang="en-US" dirty="0"/>
+              <a:t>Executing functions correctly to trigger user input and provide data based on user input</a:t>
+            </a:r>
+          </a:p>
+          <a:p>
+            <a:endParaRPr lang="en-US" dirty="0"/>
+          </a:p>
+          <a:p>
+            <a:endParaRPr lang="en-US" dirty="0"/>
           </a:p>
         </p:txBody>
       </p:sp>
@@ -25206,6 +25869,10 @@
           </p:nvPr>
         </p:nvSpPr>
         <p:spPr>
+          <a:xfrm>
+            <a:off x="311700" y="1727100"/>
+            <a:ext cx="8520600" cy="3416400"/>
+          </a:xfrm>
           <a:prstGeom prst="rect">
             <a:avLst/>
           </a:prstGeom>
@@ -25216,16 +25883,94 @@
           </a:bodyPr>
           <a:lstStyle/>
           <a:p>
-            <a:pPr marL="0" lvl="0" indent="0" algn="l" rtl="0">
+            <a:pPr marL="285750" lvl="0" indent="-285750" algn="l" rtl="0">
               <a:spcBef>
                 <a:spcPts val="0"/>
               </a:spcBef>
               <a:spcAft>
                 <a:spcPts val="1600"/>
               </a:spcAft>
-              <a:buNone/>
+              <a:buFont typeface="Wingdings" panose="05000000000000000000" pitchFamily="2" charset="2"/>
+              <a:buChar char="q"/>
             </a:pPr>
-            <a:endParaRPr/>
+            <a:r>
+              <a:rPr lang="en-US" dirty="0"/>
+              <a:t>Work on expanding to UK using an API that has UK breweries</a:t>
+            </a:r>
+          </a:p>
+          <a:p>
+            <a:pPr marL="285750" lvl="0" indent="-285750" algn="l" rtl="0">
+              <a:spcBef>
+                <a:spcPts val="0"/>
+              </a:spcBef>
+              <a:spcAft>
+                <a:spcPts val="1600"/>
+              </a:spcAft>
+              <a:buFont typeface="Wingdings" panose="05000000000000000000" pitchFamily="2" charset="2"/>
+              <a:buChar char="q"/>
+            </a:pPr>
+            <a:r>
+              <a:rPr lang="en-US" dirty="0"/>
+              <a:t>Creating a 5-day weather forecast</a:t>
+            </a:r>
+          </a:p>
+          <a:p>
+            <a:pPr marL="285750" lvl="0" indent="-285750" algn="l" rtl="0">
+              <a:spcBef>
+                <a:spcPts val="0"/>
+              </a:spcBef>
+              <a:spcAft>
+                <a:spcPts val="1600"/>
+              </a:spcAft>
+              <a:buFont typeface="Wingdings" panose="05000000000000000000" pitchFamily="2" charset="2"/>
+              <a:buChar char="q"/>
+            </a:pPr>
+            <a:r>
+              <a:rPr lang="en-US" dirty="0"/>
+              <a:t>Implementing a way to coordinate directions to brewery once it is selected</a:t>
+            </a:r>
+          </a:p>
+          <a:p>
+            <a:pPr marL="285750" lvl="0" indent="-285750" algn="l" rtl="0">
+              <a:spcBef>
+                <a:spcPts val="0"/>
+              </a:spcBef>
+              <a:spcAft>
+                <a:spcPts val="1600"/>
+              </a:spcAft>
+              <a:buFont typeface="Wingdings" panose="05000000000000000000" pitchFamily="2" charset="2"/>
+              <a:buChar char="q"/>
+            </a:pPr>
+            <a:r>
+              <a:rPr lang="en-US" dirty="0"/>
+              <a:t>Including reviews of the breweries </a:t>
+            </a:r>
+          </a:p>
+          <a:p>
+            <a:pPr marL="285750" lvl="0" indent="-285750" algn="l" rtl="0">
+              <a:spcBef>
+                <a:spcPts val="0"/>
+              </a:spcBef>
+              <a:spcAft>
+                <a:spcPts val="1600"/>
+              </a:spcAft>
+              <a:buFont typeface="Wingdings" panose="05000000000000000000" pitchFamily="2" charset="2"/>
+              <a:buChar char="q"/>
+            </a:pPr>
+            <a:endParaRPr lang="en-US" dirty="0"/>
+          </a:p>
+          <a:p>
+            <a:pPr marL="285750" lvl="0" indent="-285750" algn="l" rtl="0">
+              <a:spcBef>
+                <a:spcPts val="0"/>
+              </a:spcBef>
+              <a:spcAft>
+                <a:spcPts val="1600"/>
+              </a:spcAft>
+              <a:buFont typeface="Wingdings" panose="05000000000000000000" pitchFamily="2" charset="2"/>
+              <a:buChar char="q"/>
+            </a:pPr>
+            <a:endParaRPr dirty="0"/>
           </a:p>
         </p:txBody>
       </p:sp>

--- a/Project Presentation.pptx
+++ b/Project Presentation.pptx
@@ -127,7 +127,7 @@
 <file path=ppt/revisionInfo.xml><?xml version="1.0" encoding="utf-8"?>
 <p1510:revInfo xmlns:a="http://schemas.openxmlformats.org/drawingml/2006/main" xmlns:r="http://schemas.openxmlformats.org/officeDocument/2006/relationships" xmlns:p1510="http://schemas.microsoft.com/office/powerpoint/2015/10/main">
   <p1510:revLst>
-    <p1510:client id="{4A4CBAA8-5145-4FF1-AD75-F052B8016C1F}" v="18" dt="2021-10-06T23:37:58.929"/>
+    <p1510:client id="{1DAF9E0F-0517-4978-BC87-E7E7B0568C89}" v="60" dt="2021-10-05T21:22:23.026"/>
   </p1510:revLst>
 </p1510:revInfo>
 </file>
@@ -137,7 +137,7 @@
   <pc:docChgLst>
     <pc:chgData name="sunita persad" userId="3f8766869e31e633" providerId="LiveId" clId="{1DAF9E0F-0517-4978-BC87-E7E7B0568C89}"/>
     <pc:docChg chg="undo redo custSel addSld delSld modSld sldOrd">
-      <pc:chgData name="sunita persad" userId="3f8766869e31e633" providerId="LiveId" clId="{1DAF9E0F-0517-4978-BC87-E7E7B0568C89}" dt="2021-10-05T21:32:44.422" v="5562" actId="20577"/>
+      <pc:chgData name="sunita persad" userId="3f8766869e31e633" providerId="LiveId" clId="{1DAF9E0F-0517-4978-BC87-E7E7B0568C89}" dt="2021-10-07T23:07:03.594" v="5573" actId="20577"/>
       <pc:docMkLst>
         <pc:docMk/>
       </pc:docMkLst>
@@ -557,13 +557,13 @@
         </pc:cxnChg>
       </pc:sldChg>
       <pc:sldChg chg="addSp modSp mod">
-        <pc:chgData name="sunita persad" userId="3f8766869e31e633" providerId="LiveId" clId="{1DAF9E0F-0517-4978-BC87-E7E7B0568C89}" dt="2021-10-03T00:36:02.526" v="5242" actId="20577"/>
+        <pc:chgData name="sunita persad" userId="3f8766869e31e633" providerId="LiveId" clId="{1DAF9E0F-0517-4978-BC87-E7E7B0568C89}" dt="2021-10-07T23:07:03.594" v="5573" actId="20577"/>
         <pc:sldMkLst>
           <pc:docMk/>
           <pc:sldMk cId="0" sldId="257"/>
         </pc:sldMkLst>
         <pc:spChg chg="add mod">
-          <ac:chgData name="sunita persad" userId="3f8766869e31e633" providerId="LiveId" clId="{1DAF9E0F-0517-4978-BC87-E7E7B0568C89}" dt="2021-10-03T00:36:02.526" v="5242" actId="20577"/>
+          <ac:chgData name="sunita persad" userId="3f8766869e31e633" providerId="LiveId" clId="{1DAF9E0F-0517-4978-BC87-E7E7B0568C89}" dt="2021-10-07T23:07:03.594" v="5573" actId="20577"/>
           <ac:spMkLst>
             <pc:docMk/>
             <pc:sldMk cId="0" sldId="257"/>
@@ -1107,176 +1107,6 @@
         </pc:spChg>
         <pc:spChg chg="mod">
           <ac:chgData name="sunita persad" userId="3f8766869e31e633" providerId="LiveId" clId="{1DAF9E0F-0517-4978-BC87-E7E7B0568C89}" dt="2021-10-03T00:10:05.265" v="3506" actId="20577"/>
-          <ac:spMkLst>
-            <pc:docMk/>
-            <pc:sldMk cId="2387706665" sldId="266"/>
-            <ac:spMk id="3" creationId="{8F1CE2CF-BD5F-419F-AE83-DFF8F38A9F3D}"/>
-          </ac:spMkLst>
-        </pc:spChg>
-      </pc:sldChg>
-    </pc:docChg>
-  </pc:docChgLst>
-  <pc:docChgLst>
-    <pc:chgData name="sunita persad" userId="3f8766869e31e633" providerId="LiveId" clId="{4A4CBAA8-5145-4FF1-AD75-F052B8016C1F}"/>
-    <pc:docChg chg="undo custSel modSld">
-      <pc:chgData name="sunita persad" userId="3f8766869e31e633" providerId="LiveId" clId="{4A4CBAA8-5145-4FF1-AD75-F052B8016C1F}" dt="2021-10-06T23:56:04.963" v="1810" actId="20577"/>
-      <pc:docMkLst>
-        <pc:docMk/>
-      </pc:docMkLst>
-      <pc:sldChg chg="modSp mod">
-        <pc:chgData name="sunita persad" userId="3f8766869e31e633" providerId="LiveId" clId="{4A4CBAA8-5145-4FF1-AD75-F052B8016C1F}" dt="2021-10-06T23:51:15.241" v="1583" actId="20577"/>
-        <pc:sldMkLst>
-          <pc:docMk/>
-          <pc:sldMk cId="0" sldId="258"/>
-        </pc:sldMkLst>
-        <pc:spChg chg="mod">
-          <ac:chgData name="sunita persad" userId="3f8766869e31e633" providerId="LiveId" clId="{4A4CBAA8-5145-4FF1-AD75-F052B8016C1F}" dt="2021-10-06T23:51:15.241" v="1583" actId="20577"/>
-          <ac:spMkLst>
-            <pc:docMk/>
-            <pc:sldMk cId="0" sldId="258"/>
-            <ac:spMk id="10" creationId="{DD8AC8AF-FA4A-42F9-AD91-BE525F2A7382}"/>
-          </ac:spMkLst>
-        </pc:spChg>
-        <pc:spChg chg="mod">
-          <ac:chgData name="sunita persad" userId="3f8766869e31e633" providerId="LiveId" clId="{4A4CBAA8-5145-4FF1-AD75-F052B8016C1F}" dt="2021-10-06T23:50:28.499" v="1582" actId="20577"/>
-          <ac:spMkLst>
-            <pc:docMk/>
-            <pc:sldMk cId="0" sldId="258"/>
-            <ac:spMk id="66" creationId="{00000000-0000-0000-0000-000000000000}"/>
-          </ac:spMkLst>
-        </pc:spChg>
-      </pc:sldChg>
-      <pc:sldChg chg="modSp mod">
-        <pc:chgData name="sunita persad" userId="3f8766869e31e633" providerId="LiveId" clId="{4A4CBAA8-5145-4FF1-AD75-F052B8016C1F}" dt="2021-10-06T23:56:04.963" v="1810" actId="20577"/>
-        <pc:sldMkLst>
-          <pc:docMk/>
-          <pc:sldMk cId="0" sldId="261"/>
-        </pc:sldMkLst>
-        <pc:spChg chg="mod">
-          <ac:chgData name="sunita persad" userId="3f8766869e31e633" providerId="LiveId" clId="{4A4CBAA8-5145-4FF1-AD75-F052B8016C1F}" dt="2021-10-06T23:56:04.963" v="1810" actId="20577"/>
-          <ac:spMkLst>
-            <pc:docMk/>
-            <pc:sldMk cId="0" sldId="261"/>
-            <ac:spMk id="83" creationId="{00000000-0000-0000-0000-000000000000}"/>
-          </ac:spMkLst>
-        </pc:spChg>
-      </pc:sldChg>
-      <pc:sldChg chg="modSp mod">
-        <pc:chgData name="sunita persad" userId="3f8766869e31e633" providerId="LiveId" clId="{4A4CBAA8-5145-4FF1-AD75-F052B8016C1F}" dt="2021-10-06T23:53:49.100" v="1587"/>
-        <pc:sldMkLst>
-          <pc:docMk/>
-          <pc:sldMk cId="0" sldId="262"/>
-        </pc:sldMkLst>
-        <pc:spChg chg="mod">
-          <ac:chgData name="sunita persad" userId="3f8766869e31e633" providerId="LiveId" clId="{4A4CBAA8-5145-4FF1-AD75-F052B8016C1F}" dt="2021-10-06T23:53:49.100" v="1587"/>
-          <ac:spMkLst>
-            <pc:docMk/>
-            <pc:sldMk cId="0" sldId="262"/>
-            <ac:spMk id="89" creationId="{00000000-0000-0000-0000-000000000000}"/>
-          </ac:spMkLst>
-        </pc:spChg>
-      </pc:sldChg>
-      <pc:sldChg chg="addSp modSp mod">
-        <pc:chgData name="sunita persad" userId="3f8766869e31e633" providerId="LiveId" clId="{4A4CBAA8-5145-4FF1-AD75-F052B8016C1F}" dt="2021-10-06T23:32:43.594" v="502" actId="14100"/>
-        <pc:sldMkLst>
-          <pc:docMk/>
-          <pc:sldMk cId="1789785821" sldId="263"/>
-        </pc:sldMkLst>
-        <pc:spChg chg="add mod">
-          <ac:chgData name="sunita persad" userId="3f8766869e31e633" providerId="LiveId" clId="{4A4CBAA8-5145-4FF1-AD75-F052B8016C1F}" dt="2021-10-06T23:29:47.016" v="430"/>
-          <ac:spMkLst>
-            <pc:docMk/>
-            <pc:sldMk cId="1789785821" sldId="263"/>
-            <ac:spMk id="25" creationId="{D5D4C636-FBFF-4DEA-A712-579E2F1816FD}"/>
-          </ac:spMkLst>
-        </pc:spChg>
-        <pc:spChg chg="add mod">
-          <ac:chgData name="sunita persad" userId="3f8766869e31e633" providerId="LiveId" clId="{4A4CBAA8-5145-4FF1-AD75-F052B8016C1F}" dt="2021-10-06T23:30:05.877" v="451" actId="20577"/>
-          <ac:spMkLst>
-            <pc:docMk/>
-            <pc:sldMk cId="1789785821" sldId="263"/>
-            <ac:spMk id="26" creationId="{14DF629E-A21C-4B88-AA06-8EA85A7FDBA7}"/>
-          </ac:spMkLst>
-        </pc:spChg>
-        <pc:spChg chg="mod">
-          <ac:chgData name="sunita persad" userId="3f8766869e31e633" providerId="LiveId" clId="{4A4CBAA8-5145-4FF1-AD75-F052B8016C1F}" dt="2021-10-06T23:32:38.372" v="501" actId="1076"/>
-          <ac:spMkLst>
-            <pc:docMk/>
-            <pc:sldMk cId="1789785821" sldId="263"/>
-            <ac:spMk id="28" creationId="{39914607-3CE1-406E-A03A-25F04455E944}"/>
-          </ac:spMkLst>
-        </pc:spChg>
-        <pc:spChg chg="mod">
-          <ac:chgData name="sunita persad" userId="3f8766869e31e633" providerId="LiveId" clId="{4A4CBAA8-5145-4FF1-AD75-F052B8016C1F}" dt="2021-10-06T23:32:35.511" v="500" actId="1076"/>
-          <ac:spMkLst>
-            <pc:docMk/>
-            <pc:sldMk cId="1789785821" sldId="263"/>
-            <ac:spMk id="29" creationId="{EA348620-9EDB-49C4-BE82-545A6520BCD1}"/>
-          </ac:spMkLst>
-        </pc:spChg>
-        <pc:grpChg chg="add mod">
-          <ac:chgData name="sunita persad" userId="3f8766869e31e633" providerId="LiveId" clId="{4A4CBAA8-5145-4FF1-AD75-F052B8016C1F}" dt="2021-10-06T23:32:09.527" v="493" actId="14100"/>
-          <ac:grpSpMkLst>
-            <pc:docMk/>
-            <pc:sldMk cId="1789785821" sldId="263"/>
-            <ac:grpSpMk id="24" creationId="{32F5EEE3-987A-4A11-94DD-A42F19A8DEFE}"/>
-          </ac:grpSpMkLst>
-        </pc:grpChg>
-        <pc:grpChg chg="add mod">
-          <ac:chgData name="sunita persad" userId="3f8766869e31e633" providerId="LiveId" clId="{4A4CBAA8-5145-4FF1-AD75-F052B8016C1F}" dt="2021-10-06T23:32:43.594" v="502" actId="14100"/>
-          <ac:grpSpMkLst>
-            <pc:docMk/>
-            <pc:sldMk cId="1789785821" sldId="263"/>
-            <ac:grpSpMk id="27" creationId="{C04B638C-775F-4E8F-9046-16B975988D46}"/>
-          </ac:grpSpMkLst>
-        </pc:grpChg>
-        <pc:graphicFrameChg chg="mod">
-          <ac:chgData name="sunita persad" userId="3f8766869e31e633" providerId="LiveId" clId="{4A4CBAA8-5145-4FF1-AD75-F052B8016C1F}" dt="2021-10-06T23:31:23.083" v="483"/>
-          <ac:graphicFrameMkLst>
-            <pc:docMk/>
-            <pc:sldMk cId="1789785821" sldId="263"/>
-            <ac:graphicFrameMk id="46" creationId="{55990BF1-7BAF-4D26-8D06-89134E651A52}"/>
-          </ac:graphicFrameMkLst>
-        </pc:graphicFrameChg>
-      </pc:sldChg>
-      <pc:sldChg chg="modSp mod">
-        <pc:chgData name="sunita persad" userId="3f8766869e31e633" providerId="LiveId" clId="{4A4CBAA8-5145-4FF1-AD75-F052B8016C1F}" dt="2021-10-06T23:48:03.554" v="1390" actId="20577"/>
-        <pc:sldMkLst>
-          <pc:docMk/>
-          <pc:sldMk cId="786535372" sldId="264"/>
-        </pc:sldMkLst>
-        <pc:spChg chg="mod">
-          <ac:chgData name="sunita persad" userId="3f8766869e31e633" providerId="LiveId" clId="{4A4CBAA8-5145-4FF1-AD75-F052B8016C1F}" dt="2021-10-06T23:48:03.554" v="1390" actId="20577"/>
-          <ac:spMkLst>
-            <pc:docMk/>
-            <pc:sldMk cId="786535372" sldId="264"/>
-            <ac:spMk id="3" creationId="{9430D50D-5B93-42D6-B7F2-06D1F11DF0E9}"/>
-          </ac:spMkLst>
-        </pc:spChg>
-      </pc:sldChg>
-      <pc:sldChg chg="modSp mod">
-        <pc:chgData name="sunita persad" userId="3f8766869e31e633" providerId="LiveId" clId="{4A4CBAA8-5145-4FF1-AD75-F052B8016C1F}" dt="2021-10-06T23:48:57.687" v="1409" actId="20577"/>
-        <pc:sldMkLst>
-          <pc:docMk/>
-          <pc:sldMk cId="2876551567" sldId="265"/>
-        </pc:sldMkLst>
-        <pc:spChg chg="mod">
-          <ac:chgData name="sunita persad" userId="3f8766869e31e633" providerId="LiveId" clId="{4A4CBAA8-5145-4FF1-AD75-F052B8016C1F}" dt="2021-10-06T23:48:57.687" v="1409" actId="20577"/>
-          <ac:spMkLst>
-            <pc:docMk/>
-            <pc:sldMk cId="2876551567" sldId="265"/>
-            <ac:spMk id="3" creationId="{83903C9D-B9F1-42D1-AF5A-90455EE48BC7}"/>
-          </ac:spMkLst>
-        </pc:spChg>
-      </pc:sldChg>
-      <pc:sldChg chg="modSp mod">
-        <pc:chgData name="sunita persad" userId="3f8766869e31e633" providerId="LiveId" clId="{4A4CBAA8-5145-4FF1-AD75-F052B8016C1F}" dt="2021-10-06T23:29:07.045" v="428" actId="20577"/>
-        <pc:sldMkLst>
-          <pc:docMk/>
-          <pc:sldMk cId="2387706665" sldId="266"/>
-        </pc:sldMkLst>
-        <pc:spChg chg="mod">
-          <ac:chgData name="sunita persad" userId="3f8766869e31e633" providerId="LiveId" clId="{4A4CBAA8-5145-4FF1-AD75-F052B8016C1F}" dt="2021-10-06T23:29:07.045" v="428" actId="20577"/>
           <ac:spMkLst>
             <pc:docMk/>
             <pc:sldMk cId="2387706665" sldId="266"/>
@@ -3239,7 +3069,7 @@
         <a:lstStyle/>
         <a:p>
           <a:r>
-            <a:rPr lang="en-US" dirty="0"/>
+            <a:rPr lang="en-US"/>
             <a:t>JavaScript</a:t>
           </a:r>
         </a:p>
@@ -3311,7 +3141,7 @@
         <a:lstStyle/>
         <a:p>
           <a:r>
-            <a:rPr lang="en-US" dirty="0"/>
+            <a:rPr lang="en-US"/>
             <a:t>JSON</a:t>
           </a:r>
         </a:p>
@@ -3347,12 +3177,8 @@
         <a:lstStyle/>
         <a:p>
           <a:r>
-            <a:rPr lang="en-US" dirty="0" err="1"/>
-            <a:t>OpenWeatherMap</a:t>
-          </a:r>
-          <a:r>
-            <a:rPr lang="en-US" dirty="0"/>
-            <a:t> API</a:t>
+            <a:rPr lang="en-US"/>
+            <a:t>OpenWeatherMap API</a:t>
           </a:r>
         </a:p>
       </dgm:t>
@@ -3389,7 +3215,7 @@
       <dgm:spPr/>
     </dgm:pt>
     <dgm:pt modelId="{D6139EBE-CCE8-4929-B62A-E06E9C9764CB}" type="pres">
-      <dgm:prSet presAssocID="{D70B70AF-551C-4375-A1C6-AF15DED473CC}" presName="parentText" presStyleLbl="node1" presStyleIdx="0" presStyleCnt="5" custLinFactY="-47156" custLinFactNeighborX="708" custLinFactNeighborY="-100000">
+      <dgm:prSet presAssocID="{D70B70AF-551C-4375-A1C6-AF15DED473CC}" presName="parentText" presStyleLbl="node1" presStyleIdx="0" presStyleCnt="5">
         <dgm:presLayoutVars>
           <dgm:chMax val="0"/>
           <dgm:bulletEnabled val="1"/>
@@ -3402,7 +3228,7 @@
       <dgm:spPr/>
     </dgm:pt>
     <dgm:pt modelId="{E38641D1-B00E-44BA-B581-51F02190F1A7}" type="pres">
-      <dgm:prSet presAssocID="{0254A5BC-C008-49CA-B207-EB8977876C3B}" presName="parentText" presStyleLbl="node1" presStyleIdx="1" presStyleCnt="5" custLinFactY="-9228" custLinFactNeighborY="-100000">
+      <dgm:prSet presAssocID="{0254A5BC-C008-49CA-B207-EB8977876C3B}" presName="parentText" presStyleLbl="node1" presStyleIdx="1" presStyleCnt="5">
         <dgm:presLayoutVars>
           <dgm:chMax val="0"/>
           <dgm:bulletEnabled val="1"/>
@@ -3415,7 +3241,7 @@
       <dgm:spPr/>
     </dgm:pt>
     <dgm:pt modelId="{E6ECC7A7-468B-42BE-98AF-939475E9404F}" type="pres">
-      <dgm:prSet presAssocID="{B14FC987-BE48-4FD9-858B-B5B3F33CADE3}" presName="parentText" presStyleLbl="node1" presStyleIdx="2" presStyleCnt="5" custLinFactY="-18768" custLinFactNeighborY="-100000">
+      <dgm:prSet presAssocID="{B14FC987-BE48-4FD9-858B-B5B3F33CADE3}" presName="parentText" presStyleLbl="node1" presStyleIdx="2" presStyleCnt="5">
         <dgm:presLayoutVars>
           <dgm:chMax val="0"/>
           <dgm:bulletEnabled val="1"/>
@@ -3428,7 +3254,7 @@
       <dgm:spPr/>
     </dgm:pt>
     <dgm:pt modelId="{9828F2CA-B090-431F-9C64-B1BC4EE4AA4E}" type="pres">
-      <dgm:prSet presAssocID="{BAF24CCF-3A18-4BEE-B79C-01D5A946CF74}" presName="parentText" presStyleLbl="node1" presStyleIdx="3" presStyleCnt="5" custLinFactY="-33585" custLinFactNeighborY="-100000">
+      <dgm:prSet presAssocID="{BAF24CCF-3A18-4BEE-B79C-01D5A946CF74}" presName="parentText" presStyleLbl="node1" presStyleIdx="3" presStyleCnt="5">
         <dgm:presLayoutVars>
           <dgm:chMax val="0"/>
           <dgm:bulletEnabled val="1"/>
@@ -3441,7 +3267,7 @@
       <dgm:spPr/>
     </dgm:pt>
     <dgm:pt modelId="{1A4EFBBF-C9B0-4602-AEE8-77AC809E1A26}" type="pres">
-      <dgm:prSet presAssocID="{3F24E1BE-6F8D-4818-852F-3BDC5D7829A9}" presName="parentText" presStyleLbl="node1" presStyleIdx="4" presStyleCnt="5" custLinFactY="-44378" custLinFactNeighborY="-100000">
+      <dgm:prSet presAssocID="{3F24E1BE-6F8D-4818-852F-3BDC5D7829A9}" presName="parentText" presStyleLbl="node1" presStyleIdx="4" presStyleCnt="5">
         <dgm:presLayoutVars>
           <dgm:chMax val="0"/>
           <dgm:bulletEnabled val="1"/>
@@ -3974,7 +3800,7 @@
       </dsp:nvSpPr>
       <dsp:spPr>
         <a:xfrm>
-          <a:off x="0" y="0"/>
+          <a:off x="0" y="61554"/>
           <a:ext cx="4793456" cy="695565"/>
         </a:xfrm>
         <a:prstGeom prst="roundRect">
@@ -4040,7 +3866,7 @@
         </a:p>
       </dsp:txBody>
       <dsp:txXfrm>
-        <a:off x="33955" y="33955"/>
+        <a:off x="33955" y="95509"/>
         <a:ext cx="4725546" cy="627655"/>
       </dsp:txXfrm>
     </dsp:sp>
@@ -4051,7 +3877,7 @@
       </dsp:nvSpPr>
       <dsp:spPr>
         <a:xfrm>
-          <a:off x="0" y="692933"/>
+          <a:off x="0" y="840639"/>
           <a:ext cx="4793456" cy="695565"/>
         </a:xfrm>
         <a:prstGeom prst="roundRect">
@@ -4111,13 +3937,13 @@
             <a:buNone/>
           </a:pPr>
           <a:r>
-            <a:rPr lang="en-US" sz="2900" kern="1200" dirty="0"/>
+            <a:rPr lang="en-US" sz="2900" kern="1200"/>
             <a:t>JavaScript</a:t>
           </a:r>
         </a:p>
       </dsp:txBody>
       <dsp:txXfrm>
-        <a:off x="33955" y="726888"/>
+        <a:off x="33955" y="874594"/>
         <a:ext cx="4725546" cy="627655"/>
       </dsp:txXfrm>
     </dsp:sp>
@@ -4128,7 +3954,7 @@
       </dsp:nvSpPr>
       <dsp:spPr>
         <a:xfrm>
-          <a:off x="0" y="1405661"/>
+          <a:off x="0" y="1619724"/>
           <a:ext cx="4793456" cy="695565"/>
         </a:xfrm>
         <a:prstGeom prst="roundRect">
@@ -4194,7 +4020,7 @@
         </a:p>
       </dsp:txBody>
       <dsp:txXfrm>
-        <a:off x="33955" y="1439616"/>
+        <a:off x="33955" y="1653679"/>
         <a:ext cx="4725546" cy="627655"/>
       </dsp:txXfrm>
     </dsp:sp>
@@ -4205,7 +4031,7 @@
       </dsp:nvSpPr>
       <dsp:spPr>
         <a:xfrm>
-          <a:off x="0" y="2081684"/>
+          <a:off x="0" y="2398810"/>
           <a:ext cx="4793456" cy="695565"/>
         </a:xfrm>
         <a:prstGeom prst="roundRect">
@@ -4265,13 +4091,13 @@
             <a:buNone/>
           </a:pPr>
           <a:r>
-            <a:rPr lang="en-US" sz="2900" kern="1200" dirty="0"/>
+            <a:rPr lang="en-US" sz="2900" kern="1200"/>
             <a:t>JSON</a:t>
           </a:r>
         </a:p>
       </dsp:txBody>
       <dsp:txXfrm>
-        <a:off x="33955" y="2115639"/>
+        <a:off x="33955" y="2432765"/>
         <a:ext cx="4725546" cy="627655"/>
       </dsp:txXfrm>
     </dsp:sp>
@@ -4282,7 +4108,7 @@
       </dsp:nvSpPr>
       <dsp:spPr>
         <a:xfrm>
-          <a:off x="0" y="2785697"/>
+          <a:off x="0" y="3177895"/>
           <a:ext cx="4793456" cy="695565"/>
         </a:xfrm>
         <a:prstGeom prst="roundRect">
@@ -4342,17 +4168,13 @@
             <a:buNone/>
           </a:pPr>
           <a:r>
-            <a:rPr lang="en-US" sz="2900" kern="1200" dirty="0" err="1"/>
-            <a:t>OpenWeatherMap</a:t>
-          </a:r>
-          <a:r>
-            <a:rPr lang="en-US" sz="2900" kern="1200" dirty="0"/>
-            <a:t> API</a:t>
+            <a:rPr lang="en-US" sz="2900" kern="1200"/>
+            <a:t>OpenWeatherMap API</a:t>
           </a:r>
         </a:p>
       </dsp:txBody>
       <dsp:txXfrm>
-        <a:off x="33955" y="2819652"/>
+        <a:off x="33955" y="3211850"/>
         <a:ext cx="4725546" cy="627655"/>
       </dsp:txXfrm>
     </dsp:sp>
@@ -8228,7 +8050,7 @@
           <a:p>
             <a:fld id="{78ABE3C1-DBE1-495D-B57B-2849774B866A}" type="datetimeFigureOut">
               <a:rPr lang="en-US" smtClean="0"/>
-              <a:t>10/5/2021</a:t>
+              <a:t>10/7/2021</a:t>
             </a:fld>
             <a:endParaRPr lang="en-US" dirty="0"/>
           </a:p>
@@ -9326,7 +9148,7 @@
           <a:p>
             <a:fld id="{9D6E9DEC-419B-4CC5-A080-3B06BD5A8291}" type="datetimeFigureOut">
               <a:rPr lang="en-US" smtClean="0"/>
-              <a:t>10/5/2021</a:t>
+              <a:t>10/7/2021</a:t>
             </a:fld>
             <a:endParaRPr lang="en-US" dirty="0"/>
           </a:p>
@@ -10316,7 +10138,7 @@
           <a:p>
             <a:fld id="{9D6E9DEC-419B-4CC5-A080-3B06BD5A8291}" type="datetimeFigureOut">
               <a:rPr lang="en-US" smtClean="0"/>
-              <a:t>10/5/2021</a:t>
+              <a:t>10/7/2021</a:t>
             </a:fld>
             <a:endParaRPr lang="en-US" dirty="0"/>
           </a:p>
@@ -11460,7 +11282,7 @@
           <a:p>
             <a:fld id="{9D6E9DEC-419B-4CC5-A080-3B06BD5A8291}" type="datetimeFigureOut">
               <a:rPr lang="en-US" smtClean="0"/>
-              <a:t>10/5/2021</a:t>
+              <a:t>10/7/2021</a:t>
             </a:fld>
             <a:endParaRPr lang="en-US" dirty="0"/>
           </a:p>
@@ -12503,7 +12325,7 @@
           <a:p>
             <a:fld id="{9D6E9DEC-419B-4CC5-A080-3B06BD5A8291}" type="datetimeFigureOut">
               <a:rPr lang="en-US" smtClean="0"/>
-              <a:t>10/5/2021</a:t>
+              <a:t>10/7/2021</a:t>
             </a:fld>
             <a:endParaRPr lang="en-US" dirty="0"/>
           </a:p>
@@ -13173,7 +12995,7 @@
           <a:p>
             <a:fld id="{9D6E9DEC-419B-4CC5-A080-3B06BD5A8291}" type="datetimeFigureOut">
               <a:rPr lang="en-US" smtClean="0"/>
-              <a:t>10/5/2021</a:t>
+              <a:t>10/7/2021</a:t>
             </a:fld>
             <a:endParaRPr lang="en-US" dirty="0"/>
           </a:p>
@@ -14044,7 +13866,7 @@
           <a:p>
             <a:fld id="{9D6E9DEC-419B-4CC5-A080-3B06BD5A8291}" type="datetimeFigureOut">
               <a:rPr lang="en-US" smtClean="0"/>
-              <a:t>10/5/2021</a:t>
+              <a:t>10/7/2021</a:t>
             </a:fld>
             <a:endParaRPr lang="en-US" dirty="0"/>
           </a:p>
@@ -14244,7 +14066,7 @@
           <a:p>
             <a:fld id="{1FA3F48C-C7C6-4055-9F49-3777875E72AE}" type="datetimeFigureOut">
               <a:rPr lang="en-US" smtClean="0"/>
-              <a:t>10/5/2021</a:t>
+              <a:t>10/7/2021</a:t>
             </a:fld>
             <a:endParaRPr lang="en-US" dirty="0"/>
           </a:p>
@@ -15226,7 +15048,7 @@
           <a:p>
             <a:fld id="{6178E61D-D431-422C-9764-11DAFE33AB63}" type="datetimeFigureOut">
               <a:rPr lang="en-US" smtClean="0"/>
-              <a:t>10/5/2021</a:t>
+              <a:t>10/7/2021</a:t>
             </a:fld>
             <a:endParaRPr lang="en-US" dirty="0"/>
           </a:p>
@@ -16052,7 +15874,7 @@
           <a:p>
             <a:fld id="{12DE42F4-6EEF-4EF7-8ED4-2208F0F89A08}" type="datetimeFigureOut">
               <a:rPr lang="en-US" smtClean="0"/>
-              <a:t>10/5/2021</a:t>
+              <a:t>10/7/2021</a:t>
             </a:fld>
             <a:endParaRPr lang="en-US" dirty="0"/>
           </a:p>
@@ -17096,7 +16918,7 @@
           <a:p>
             <a:fld id="{30578ACC-22D6-47C1-A373-4FD133E34F3C}" type="datetimeFigureOut">
               <a:rPr lang="en-US" smtClean="0"/>
-              <a:t>10/5/2021</a:t>
+              <a:t>10/7/2021</a:t>
             </a:fld>
             <a:endParaRPr lang="en-US" dirty="0"/>
           </a:p>
@@ -17378,7 +17200,7 @@
           <a:p>
             <a:fld id="{4E5A6C69-6797-4E8A-BF37-F2C3751466E9}" type="datetimeFigureOut">
               <a:rPr lang="en-US" smtClean="0"/>
-              <a:t>10/5/2021</a:t>
+              <a:t>10/7/2021</a:t>
             </a:fld>
             <a:endParaRPr lang="en-US" dirty="0"/>
           </a:p>
@@ -17798,7 +17620,7 @@
           <a:p>
             <a:fld id="{D82014A1-A632-4878-A0D3-F52BA7563730}" type="datetimeFigureOut">
               <a:rPr lang="en-US" smtClean="0"/>
-              <a:t>10/5/2021</a:t>
+              <a:t>10/7/2021</a:t>
             </a:fld>
             <a:endParaRPr lang="en-US" dirty="0"/>
           </a:p>
@@ -17935,7 +17757,7 @@
           <a:p>
             <a:fld id="{CE99F462-093F-4566-844B-4C71F2739DA5}" type="datetimeFigureOut">
               <a:rPr lang="en-US" smtClean="0"/>
-              <a:t>10/5/2021</a:t>
+              <a:t>10/7/2021</a:t>
             </a:fld>
             <a:endParaRPr lang="en-US" dirty="0"/>
           </a:p>
@@ -18040,7 +17862,7 @@
           <a:p>
             <a:fld id="{3D24A7AC-904D-4781-85BA-7D10C17ED021}" type="datetimeFigureOut">
               <a:rPr lang="en-US" smtClean="0"/>
-              <a:t>10/5/2021</a:t>
+              <a:t>10/7/2021</a:t>
             </a:fld>
             <a:endParaRPr lang="en-US" dirty="0"/>
           </a:p>
@@ -19130,7 +18952,7 @@
           <a:p>
             <a:fld id="{E331444B-B92B-4E27-8C94-BB93EAF5CB18}" type="datetimeFigureOut">
               <a:rPr lang="en-US" smtClean="0"/>
-              <a:t>10/5/2021</a:t>
+              <a:t>10/7/2021</a:t>
             </a:fld>
             <a:endParaRPr lang="en-US" dirty="0"/>
           </a:p>
@@ -20248,7 +20070,7 @@
           <a:p>
             <a:fld id="{363EFA5E-FA76-400D-B3DC-F0BA90E6D107}" type="datetimeFigureOut">
               <a:rPr lang="en-US" smtClean="0"/>
-              <a:t>10/5/2021</a:t>
+              <a:t>10/7/2021</a:t>
             </a:fld>
             <a:endParaRPr lang="en-US" dirty="0"/>
           </a:p>
@@ -21255,7 +21077,7 @@
           <a:p>
             <a:fld id="{9D6E9DEC-419B-4CC5-A080-3B06BD5A8291}" type="datetimeFigureOut">
               <a:rPr lang="en-US" smtClean="0"/>
-              <a:t>10/5/2021</a:t>
+              <a:t>10/7/2021</a:t>
             </a:fld>
             <a:endParaRPr lang="en-US" dirty="0"/>
           </a:p>
@@ -21987,7 +21809,7 @@
           </a:bodyPr>
           <a:lstStyle/>
           <a:p>
-            <a:pPr marL="114300" lvl="0" indent="0" algn="l" rtl="0">
+            <a:pPr marL="457200" lvl="0" indent="-342900" algn="l" rtl="0">
               <a:spcBef>
                 <a:spcPts val="0"/>
               </a:spcBef>
@@ -21995,9 +21817,13 @@
                 <a:spcPts val="0"/>
               </a:spcAft>
               <a:buSzPts val="1800"/>
-              <a:buNone/>
+              <a:buChar char="●"/>
             </a:pPr>
-            <a:endParaRPr lang="en" dirty="0"/>
+            <a:r>
+              <a:rPr lang="en" dirty="0"/>
+              <a:t>Deployed</a:t>
+            </a:r>
+            <a:endParaRPr dirty="0"/>
           </a:p>
           <a:p>
             <a:pPr marL="457200" lvl="0" indent="-342900" algn="l" rtl="0">
@@ -22011,48 +21837,9 @@
               <a:buChar char="●"/>
             </a:pPr>
             <a:r>
-              <a:rPr lang="en-US" b="0" i="0" u="sng" dirty="0">
-                <a:effectLst/>
-                <a:latin typeface="-apple-system"/>
-                <a:hlinkClick r:id="rId3"/>
-              </a:rPr>
-              <a:t>https://sdesire.github.io/APIs-For-IPAs/</a:t>
+              <a:rPr lang="en" dirty="0"/>
+              <a:t>GitHub repo</a:t>
             </a:r>
-            <a:endParaRPr lang="en-US" b="0" i="0" u="sng" dirty="0">
-              <a:effectLst/>
-              <a:latin typeface="-apple-system"/>
-            </a:endParaRPr>
-          </a:p>
-          <a:p>
-            <a:pPr marL="457200" lvl="0" indent="-342900" algn="l" rtl="0">
-              <a:spcBef>
-                <a:spcPts val="0"/>
-              </a:spcBef>
-              <a:spcAft>
-                <a:spcPts val="0"/>
-              </a:spcAft>
-              <a:buSzPts val="1800"/>
-              <a:buChar char="●"/>
-            </a:pPr>
-            <a:r>
-              <a:rPr lang="en-US" b="0" i="0" u="sng" dirty="0">
-                <a:effectLst/>
-                <a:latin typeface="-apple-system"/>
-              </a:rPr>
-              <a:t>https://github.com/sdesire/APIs-For-IPAs</a:t>
-            </a:r>
-          </a:p>
-          <a:p>
-            <a:pPr marL="114300" lvl="0" indent="0" algn="l" rtl="0">
-              <a:spcBef>
-                <a:spcPts val="0"/>
-              </a:spcBef>
-              <a:spcAft>
-                <a:spcPts val="0"/>
-              </a:spcAft>
-              <a:buSzPts val="1800"/>
-              <a:buNone/>
-            </a:pPr>
             <a:endParaRPr dirty="0"/>
           </a:p>
         </p:txBody>
@@ -22154,7 +21941,7 @@
           <a:p>
             <a:r>
               <a:rPr lang="en-US" dirty="0"/>
-              <a:t>Leisurely travel impacts most or all of us at some point. Like with any travel plans, we all know how much thought goes into planning the activities you will do once you arrive at your destination. Wouldn’t it be helpful if there was an app that could help you plan which breweries to get the finest beers wherever you traveled to, including a five-day weather forecast with just the click of a button?  </a:t>
+              <a:t>Leisurely travel impacts most or all of us at some point. Like with any travel plans, we all know how much thought goes into planning the activities you will do once you arrive at your destination. Wouldn’t it be helpful if there was an app that could help you plan which breweries to get the finest beers wherever you traveled to, including a current-day weather forecast with just the click of a button?  </a:t>
             </a:r>
           </a:p>
           <a:p>
@@ -22243,7 +22030,7 @@
         </p:nvSpPr>
         <p:spPr>
           <a:xfrm>
-            <a:off x="311700" y="1727100"/>
+            <a:off x="311700" y="1827390"/>
             <a:ext cx="8520600" cy="3416400"/>
           </a:xfrm>
           <a:prstGeom prst="rect">
@@ -22282,7 +22069,10 @@
               <a:buSzPts val="1800"/>
               <a:buNone/>
             </a:pPr>
-            <a:endParaRPr lang="en" dirty="0"/>
+            <a:r>
+              <a:rPr lang="en" dirty="0"/>
+              <a:t>        Combining brewery api with open weather api…</a:t>
+            </a:r>
           </a:p>
           <a:p>
             <a:pPr marL="114300" lvl="0" indent="0" algn="l" rtl="0">
@@ -22295,10 +22085,7 @@
               <a:buSzPts val="1800"/>
               <a:buNone/>
             </a:pPr>
-            <a:r>
-              <a:rPr lang="en" dirty="0"/>
-              <a:t>This project demonstrates a fun website to support and help create a relaxing leisurely travel experience by combining a brewery api with an open weather api to display a selection of nearby breweries based on the user’s input for location as well as the current weather description</a:t>
-            </a:r>
+            <a:endParaRPr lang="en" dirty="0"/>
           </a:p>
           <a:p>
             <a:pPr marL="114300" lvl="0" indent="0" algn="l" rtl="0">
@@ -22423,7 +22210,7 @@
         <p:spPr>
           <a:xfrm>
             <a:off x="434970" y="4190644"/>
-            <a:ext cx="8447336" cy="923330"/>
+            <a:ext cx="8447336" cy="507831"/>
           </a:xfrm>
           <a:prstGeom prst="rect">
             <a:avLst/>
@@ -22435,18 +22222,6 @@
             <a:spAutoFit/>
           </a:bodyPr>
           <a:lstStyle/>
-          <a:p>
-            <a:endParaRPr lang="en-US" sz="1350" dirty="0">
-              <a:latin typeface="Roboto" panose="02000000000000000000" pitchFamily="2" charset="0"/>
-              <a:ea typeface="Roboto" panose="02000000000000000000" pitchFamily="2" charset="0"/>
-            </a:endParaRPr>
-          </a:p>
-          <a:p>
-            <a:endParaRPr lang="en-US" sz="1350" dirty="0">
-              <a:latin typeface="Roboto" panose="02000000000000000000" pitchFamily="2" charset="0"/>
-              <a:ea typeface="Roboto" panose="02000000000000000000" pitchFamily="2" charset="0"/>
-            </a:endParaRPr>
-          </a:p>
           <a:p>
             <a:r>
               <a:rPr lang="en-US" sz="1350" dirty="0">
@@ -24294,13 +24069,13 @@
           <p:nvPr>
             <p:extLst>
               <p:ext uri="{D42A27DB-BD31-4B8C-83A1-F6EECF244321}">
-                <p14:modId xmlns:p14="http://schemas.microsoft.com/office/powerpoint/2010/main" val="1821394634"/>
+                <p14:modId xmlns:p14="http://schemas.microsoft.com/office/powerpoint/2010/main" val="1176499857"/>
               </p:ext>
             </p:extLst>
           </p:nvPr>
         </p:nvGraphicFramePr>
         <p:xfrm>
-          <a:off x="3886232" y="212299"/>
+          <a:off x="3895725" y="606028"/>
           <a:ext cx="4793456" cy="3935015"/>
         </p:xfrm>
         <a:graphic>
@@ -24309,279 +24084,6 @@
           </a:graphicData>
         </a:graphic>
       </p:graphicFrame>
-      <p:grpSp>
-        <p:nvGrpSpPr>
-          <p:cNvPr id="24" name="Group 23">
-            <a:extLst>
-              <a:ext uri="{FF2B5EF4-FFF2-40B4-BE49-F238E27FC236}">
-                <a16:creationId xmlns:a16="http://schemas.microsoft.com/office/drawing/2014/main" id="{32F5EEE3-987A-4A11-94DD-A42F19A8DEFE}"/>
-              </a:ext>
-            </a:extLst>
-          </p:cNvPr>
-          <p:cNvGrpSpPr/>
-          <p:nvPr/>
-        </p:nvGrpSpPr>
-        <p:grpSpPr>
-          <a:xfrm>
-            <a:off x="3857220" y="3672283"/>
-            <a:ext cx="4822468" cy="695565"/>
-            <a:chOff x="0" y="61554"/>
-            <a:chExt cx="4793456" cy="695565"/>
-          </a:xfrm>
-        </p:grpSpPr>
-        <p:sp>
-          <p:nvSpPr>
-            <p:cNvPr id="25" name="Rectangle: Rounded Corners 24">
-              <a:extLst>
-                <a:ext uri="{FF2B5EF4-FFF2-40B4-BE49-F238E27FC236}">
-                  <a16:creationId xmlns:a16="http://schemas.microsoft.com/office/drawing/2014/main" id="{D5D4C636-FBFF-4DEA-A712-579E2F1816FD}"/>
-                </a:ext>
-              </a:extLst>
-            </p:cNvPr>
-            <p:cNvSpPr/>
-            <p:nvPr/>
-          </p:nvSpPr>
-          <p:spPr>
-            <a:xfrm>
-              <a:off x="0" y="61554"/>
-              <a:ext cx="4793456" cy="695565"/>
-            </a:xfrm>
-            <a:prstGeom prst="roundRect">
-              <a:avLst/>
-            </a:prstGeom>
-          </p:spPr>
-          <p:style>
-            <a:lnRef idx="2">
-              <a:schemeClr val="lt1">
-                <a:hueOff val="0"/>
-                <a:satOff val="0"/>
-                <a:lumOff val="0"/>
-                <a:alphaOff val="0"/>
-              </a:schemeClr>
-            </a:lnRef>
-            <a:fillRef idx="1">
-              <a:schemeClr val="accent2">
-                <a:hueOff val="0"/>
-                <a:satOff val="0"/>
-                <a:lumOff val="0"/>
-                <a:alphaOff val="0"/>
-              </a:schemeClr>
-            </a:fillRef>
-            <a:effectRef idx="0">
-              <a:schemeClr val="accent2">
-                <a:hueOff val="0"/>
-                <a:satOff val="0"/>
-                <a:lumOff val="0"/>
-                <a:alphaOff val="0"/>
-              </a:schemeClr>
-            </a:effectRef>
-            <a:fontRef idx="minor">
-              <a:schemeClr val="lt1"/>
-            </a:fontRef>
-          </p:style>
-        </p:sp>
-        <p:sp>
-          <p:nvSpPr>
-            <p:cNvPr id="26" name="Rectangle: Rounded Corners 4">
-              <a:extLst>
-                <a:ext uri="{FF2B5EF4-FFF2-40B4-BE49-F238E27FC236}">
-                  <a16:creationId xmlns:a16="http://schemas.microsoft.com/office/drawing/2014/main" id="{14DF629E-A21C-4B88-AA06-8EA85A7FDBA7}"/>
-                </a:ext>
-              </a:extLst>
-            </p:cNvPr>
-            <p:cNvSpPr txBox="1"/>
-            <p:nvPr/>
-          </p:nvSpPr>
-          <p:spPr>
-            <a:xfrm>
-              <a:off x="33955" y="95509"/>
-              <a:ext cx="4725546" cy="627655"/>
-            </a:xfrm>
-            <a:prstGeom prst="rect">
-              <a:avLst/>
-            </a:prstGeom>
-          </p:spPr>
-          <p:style>
-            <a:lnRef idx="0">
-              <a:scrgbClr r="0" g="0" b="0"/>
-            </a:lnRef>
-            <a:fillRef idx="0">
-              <a:scrgbClr r="0" g="0" b="0"/>
-            </a:fillRef>
-            <a:effectRef idx="0">
-              <a:scrgbClr r="0" g="0" b="0"/>
-            </a:effectRef>
-            <a:fontRef idx="minor">
-              <a:schemeClr val="lt1"/>
-            </a:fontRef>
-          </p:style>
-          <p:txBody>
-            <a:bodyPr spcFirstLastPara="0" vert="horz" wrap="square" lIns="110490" tIns="110490" rIns="110490" bIns="110490" numCol="1" spcCol="1270" anchor="ctr" anchorCtr="0">
-              <a:noAutofit/>
-            </a:bodyPr>
-            <a:lstStyle/>
-            <a:p>
-              <a:pPr marL="0" lvl="0" indent="0" algn="l" defTabSz="1289050">
-                <a:lnSpc>
-                  <a:spcPct val="90000"/>
-                </a:lnSpc>
-                <a:spcBef>
-                  <a:spcPct val="0"/>
-                </a:spcBef>
-                <a:spcAft>
-                  <a:spcPct val="35000"/>
-                </a:spcAft>
-                <a:buNone/>
-              </a:pPr>
-              <a:r>
-                <a:rPr lang="en-US" sz="2900" kern="1200" dirty="0"/>
-                <a:t>Brewery API</a:t>
-              </a:r>
-            </a:p>
-          </p:txBody>
-        </p:sp>
-      </p:grpSp>
-      <p:grpSp>
-        <p:nvGrpSpPr>
-          <p:cNvPr id="27" name="Group 26">
-            <a:extLst>
-              <a:ext uri="{FF2B5EF4-FFF2-40B4-BE49-F238E27FC236}">
-                <a16:creationId xmlns:a16="http://schemas.microsoft.com/office/drawing/2014/main" id="{C04B638C-775F-4E8F-9046-16B975988D46}"/>
-              </a:ext>
-            </a:extLst>
-          </p:cNvPr>
-          <p:cNvGrpSpPr/>
-          <p:nvPr/>
-        </p:nvGrpSpPr>
-        <p:grpSpPr>
-          <a:xfrm>
-            <a:off x="3840364" y="4371270"/>
-            <a:ext cx="4839323" cy="695565"/>
-            <a:chOff x="-174847" y="55717"/>
-            <a:chExt cx="4793456" cy="695565"/>
-          </a:xfrm>
-          <a:solidFill>
-            <a:srgbClr val="00B050"/>
-          </a:solidFill>
-        </p:grpSpPr>
-        <p:sp>
-          <p:nvSpPr>
-            <p:cNvPr id="28" name="Rectangle: Rounded Corners 27">
-              <a:extLst>
-                <a:ext uri="{FF2B5EF4-FFF2-40B4-BE49-F238E27FC236}">
-                  <a16:creationId xmlns:a16="http://schemas.microsoft.com/office/drawing/2014/main" id="{39914607-3CE1-406E-A03A-25F04455E944}"/>
-                </a:ext>
-              </a:extLst>
-            </p:cNvPr>
-            <p:cNvSpPr/>
-            <p:nvPr/>
-          </p:nvSpPr>
-          <p:spPr>
-            <a:xfrm>
-              <a:off x="-174847" y="55717"/>
-              <a:ext cx="4793456" cy="695565"/>
-            </a:xfrm>
-            <a:prstGeom prst="roundRect">
-              <a:avLst/>
-            </a:prstGeom>
-            <a:grpFill/>
-          </p:spPr>
-          <p:style>
-            <a:lnRef idx="2">
-              <a:schemeClr val="lt1">
-                <a:hueOff val="0"/>
-                <a:satOff val="0"/>
-                <a:lumOff val="0"/>
-                <a:alphaOff val="0"/>
-              </a:schemeClr>
-            </a:lnRef>
-            <a:fillRef idx="1">
-              <a:schemeClr val="accent2">
-                <a:hueOff val="0"/>
-                <a:satOff val="0"/>
-                <a:lumOff val="0"/>
-                <a:alphaOff val="0"/>
-              </a:schemeClr>
-            </a:fillRef>
-            <a:effectRef idx="0">
-              <a:schemeClr val="accent2">
-                <a:hueOff val="0"/>
-                <a:satOff val="0"/>
-                <a:lumOff val="0"/>
-                <a:alphaOff val="0"/>
-              </a:schemeClr>
-            </a:effectRef>
-            <a:fontRef idx="minor">
-              <a:schemeClr val="lt1"/>
-            </a:fontRef>
-          </p:style>
-        </p:sp>
-        <p:sp>
-          <p:nvSpPr>
-            <p:cNvPr id="29" name="Rectangle: Rounded Corners 4">
-              <a:extLst>
-                <a:ext uri="{FF2B5EF4-FFF2-40B4-BE49-F238E27FC236}">
-                  <a16:creationId xmlns:a16="http://schemas.microsoft.com/office/drawing/2014/main" id="{EA348620-9EDB-49C4-BE82-545A6520BCD1}"/>
-                </a:ext>
-              </a:extLst>
-            </p:cNvPr>
-            <p:cNvSpPr txBox="1"/>
-            <p:nvPr/>
-          </p:nvSpPr>
-          <p:spPr>
-            <a:xfrm>
-              <a:off x="123229" y="70304"/>
-              <a:ext cx="3914590" cy="627655"/>
-            </a:xfrm>
-            <a:prstGeom prst="rect">
-              <a:avLst/>
-            </a:prstGeom>
-            <a:grpFill/>
-          </p:spPr>
-          <p:style>
-            <a:lnRef idx="0">
-              <a:scrgbClr r="0" g="0" b="0"/>
-            </a:lnRef>
-            <a:fillRef idx="0">
-              <a:scrgbClr r="0" g="0" b="0"/>
-            </a:fillRef>
-            <a:effectRef idx="0">
-              <a:scrgbClr r="0" g="0" b="0"/>
-            </a:effectRef>
-            <a:fontRef idx="minor">
-              <a:schemeClr val="lt1"/>
-            </a:fontRef>
-          </p:style>
-          <p:txBody>
-            <a:bodyPr spcFirstLastPara="0" vert="horz" wrap="square" lIns="110490" tIns="110490" rIns="110490" bIns="110490" numCol="1" spcCol="1270" anchor="ctr" anchorCtr="0">
-              <a:noAutofit/>
-            </a:bodyPr>
-            <a:lstStyle/>
-            <a:p>
-              <a:pPr marL="0" lvl="0" indent="0" algn="l" defTabSz="1289050">
-                <a:lnSpc>
-                  <a:spcPct val="90000"/>
-                </a:lnSpc>
-                <a:spcBef>
-                  <a:spcPct val="0"/>
-                </a:spcBef>
-                <a:spcAft>
-                  <a:spcPct val="35000"/>
-                </a:spcAft>
-                <a:buNone/>
-              </a:pPr>
-              <a:r>
-                <a:rPr lang="en-US" sz="2900" kern="1200" dirty="0" err="1"/>
-                <a:t>Bulma</a:t>
-              </a:r>
-              <a:r>
-                <a:rPr lang="en-US" sz="2900" kern="1200" dirty="0"/>
-                <a:t> Framework</a:t>
-              </a:r>
-            </a:p>
-          </p:txBody>
-        </p:sp>
-      </p:grpSp>
     </p:spTree>
     <p:extLst>
       <p:ext uri="{BB962C8B-B14F-4D97-AF65-F5344CB8AC3E}">
@@ -24667,7 +24169,7 @@
           <a:lstStyle/>
           <a:p>
             <a:r>
-              <a:rPr lang="en-US" sz="1050" u="sng" dirty="0">
+              <a:rPr lang="en-US" sz="1200" u="sng" dirty="0">
                 <a:highlight>
                   <a:srgbClr val="FFFF00"/>
                 </a:highlight>
@@ -24675,13 +24177,13 @@
               <a:t>Jared</a:t>
             </a:r>
             <a:r>
-              <a:rPr lang="en-US" sz="1050" dirty="0"/>
+              <a:rPr lang="en-US" sz="1200" dirty="0"/>
               <a:t> – Performed wireframing strategy in early phases to visualize layout</a:t>
             </a:r>
           </a:p>
           <a:p>
             <a:r>
-              <a:rPr lang="en-US" sz="1050" u="sng" dirty="0">
+              <a:rPr lang="en-US" sz="1200" u="sng" dirty="0">
                 <a:highlight>
                   <a:srgbClr val="00FF00"/>
                 </a:highlight>
@@ -24689,11 +24191,11 @@
               <a:t>Sunita</a:t>
             </a:r>
             <a:r>
-              <a:rPr lang="en-US" sz="1050" u="sng" dirty="0"/>
+              <a:rPr lang="en-US" sz="1200" u="sng" dirty="0"/>
               <a:t> + </a:t>
             </a:r>
             <a:r>
-              <a:rPr lang="en-US" sz="1050" u="sng" dirty="0">
+              <a:rPr lang="en-US" sz="1200" u="sng" dirty="0">
                 <a:highlight>
                   <a:srgbClr val="FFFF00"/>
                 </a:highlight>
@@ -24701,18 +24203,18 @@
               <a:t>Jared </a:t>
             </a:r>
             <a:r>
-              <a:rPr lang="en-US" sz="1050" dirty="0"/>
+              <a:rPr lang="en-US" sz="1200" dirty="0"/>
               <a:t>– Researched documentation for weather </a:t>
             </a:r>
             <a:r>
-              <a:rPr lang="en-US" sz="1050" dirty="0" err="1"/>
+              <a:rPr lang="en-US" sz="1200" dirty="0" err="1"/>
               <a:t>api</a:t>
             </a:r>
-            <a:endParaRPr lang="en-US" sz="1050" dirty="0"/>
+            <a:endParaRPr lang="en-US" sz="1200" dirty="0"/>
           </a:p>
           <a:p>
             <a:r>
-              <a:rPr lang="en-US" sz="1050" u="sng" dirty="0">
+              <a:rPr lang="en-US" sz="1200" u="sng" dirty="0">
                 <a:highlight>
                   <a:srgbClr val="00FFFF"/>
                 </a:highlight>
@@ -24720,11 +24222,11 @@
               <a:t>Bradley</a:t>
             </a:r>
             <a:r>
-              <a:rPr lang="en-US" sz="1050" u="sng" dirty="0"/>
+              <a:rPr lang="en-US" sz="1200" u="sng" dirty="0"/>
               <a:t>/</a:t>
             </a:r>
             <a:r>
-              <a:rPr lang="en-US" sz="1050" u="sng" dirty="0">
+              <a:rPr lang="en-US" sz="1200" u="sng" dirty="0">
                 <a:highlight>
                   <a:srgbClr val="FF0000"/>
                 </a:highlight>
@@ -24732,11 +24234,11 @@
               <a:t>Sean</a:t>
             </a:r>
             <a:r>
-              <a:rPr lang="en-US" sz="1050" u="sng" dirty="0"/>
+              <a:rPr lang="en-US" sz="1200" u="sng" dirty="0"/>
               <a:t>/</a:t>
             </a:r>
             <a:r>
-              <a:rPr lang="en-US" sz="1050" u="sng" dirty="0">
+              <a:rPr lang="en-US" sz="1200" u="sng" dirty="0">
                 <a:highlight>
                   <a:srgbClr val="0000FF"/>
                 </a:highlight>
@@ -24744,22 +24246,22 @@
               <a:t>Julio</a:t>
             </a:r>
             <a:r>
-              <a:rPr lang="en-US" sz="1050" u="sng" dirty="0"/>
+              <a:rPr lang="en-US" sz="1200" u="sng" dirty="0"/>
               <a:t> </a:t>
             </a:r>
             <a:r>
-              <a:rPr lang="en-US" sz="1050" dirty="0"/>
+              <a:rPr lang="en-US" sz="1200" dirty="0"/>
               <a:t>– Researched documentation for brewery </a:t>
             </a:r>
             <a:r>
-              <a:rPr lang="en-US" sz="1050" dirty="0" err="1"/>
+              <a:rPr lang="en-US" sz="1200" dirty="0" err="1"/>
               <a:t>api</a:t>
             </a:r>
-            <a:endParaRPr lang="en-US" sz="1050" dirty="0"/>
+            <a:endParaRPr lang="en-US" sz="1200" dirty="0"/>
           </a:p>
           <a:p>
             <a:r>
-              <a:rPr lang="en-US" sz="1050" u="sng" dirty="0">
+              <a:rPr lang="en-US" sz="1200" u="sng" dirty="0">
                 <a:highlight>
                   <a:srgbClr val="00FF00"/>
                 </a:highlight>
@@ -24767,13 +24269,13 @@
               <a:t>Sunita</a:t>
             </a:r>
             <a:r>
-              <a:rPr lang="en-US" sz="1050" dirty="0"/>
+              <a:rPr lang="en-US" sz="1200" dirty="0"/>
               <a:t> – Created boilerplate code for index.html and CSS, developed  and initialized variables on the JavaScript file for weather, and created ids and classes to be applied for index.html, CSS and JavaScript</a:t>
             </a:r>
           </a:p>
           <a:p>
             <a:r>
-              <a:rPr lang="en-US" sz="1050" u="sng" dirty="0">
+              <a:rPr lang="en-US" sz="1200" u="sng" dirty="0">
                 <a:highlight>
                   <a:srgbClr val="00FF00"/>
                 </a:highlight>
@@ -24781,13 +24283,26 @@
               <a:t>Sunita</a:t>
             </a:r>
             <a:r>
-              <a:rPr lang="en-US" sz="1050" dirty="0"/>
-              <a:t>– Prepared slide decks </a:t>
+              <a:rPr lang="en-US" sz="1200" dirty="0"/>
+              <a:t>– Worked on research for open weather map </a:t>
             </a:r>
+            <a:r>
+              <a:rPr lang="en-US" sz="1200" dirty="0" err="1"/>
+              <a:t>api</a:t>
+            </a:r>
+            <a:r>
+              <a:rPr lang="en-US" sz="1200" dirty="0"/>
+              <a:t> to </a:t>
+            </a:r>
+            <a:r>
+              <a:rPr lang="en-US" sz="1200"/>
+              <a:t>insert in code</a:t>
+            </a:r>
+            <a:endParaRPr lang="en-US" sz="1200" dirty="0"/>
           </a:p>
           <a:p>
             <a:r>
-              <a:rPr lang="en-US" sz="1050" u="sng" dirty="0">
+              <a:rPr lang="en-US" sz="1200" u="sng" dirty="0">
                 <a:highlight>
                   <a:srgbClr val="00FF00"/>
                 </a:highlight>
@@ -24795,25 +24310,25 @@
               <a:t>Sunita</a:t>
             </a:r>
             <a:r>
-              <a:rPr lang="en-US" sz="1050" u="sng" dirty="0"/>
+              <a:rPr lang="en-US" sz="1200" u="sng" dirty="0"/>
               <a:t>:</a:t>
             </a:r>
             <a:r>
-              <a:rPr lang="en-US" sz="1050" dirty="0"/>
+              <a:rPr lang="en-US" sz="1200" dirty="0"/>
               <a:t> Applied fetch function to insert weather </a:t>
             </a:r>
             <a:r>
-              <a:rPr lang="en-US" sz="1050" dirty="0" err="1"/>
+              <a:rPr lang="en-US" sz="1200" dirty="0" err="1"/>
               <a:t>api</a:t>
             </a:r>
             <a:r>
-              <a:rPr lang="en-US" sz="1050" dirty="0"/>
+              <a:rPr lang="en-US" sz="1200" dirty="0"/>
               <a:t> to show current temperature and cloud description</a:t>
             </a:r>
           </a:p>
           <a:p>
             <a:r>
-              <a:rPr lang="en-US" sz="1050" u="sng" dirty="0">
+              <a:rPr lang="en-US" sz="1200" u="sng" dirty="0">
                 <a:highlight>
                   <a:srgbClr val="FFFF00"/>
                 </a:highlight>
@@ -24821,29 +24336,29 @@
               <a:t>Jared</a:t>
             </a:r>
             <a:r>
-              <a:rPr lang="en-US" sz="1050" dirty="0"/>
+              <a:rPr lang="en-US" sz="1200" dirty="0"/>
               <a:t> – Further improved </a:t>
             </a:r>
             <a:r>
-              <a:rPr lang="en-US" sz="1050" dirty="0" err="1"/>
+              <a:rPr lang="en-US" sz="1200" dirty="0" err="1"/>
               <a:t>Javascript</a:t>
             </a:r>
             <a:r>
-              <a:rPr lang="en-US" sz="1050" dirty="0"/>
+              <a:rPr lang="en-US" sz="1200" dirty="0"/>
               <a:t> code for weather by supplying functional </a:t>
             </a:r>
             <a:r>
-              <a:rPr lang="en-US" sz="1050" dirty="0" err="1"/>
+              <a:rPr lang="en-US" sz="1200" dirty="0" err="1"/>
               <a:t>api</a:t>
             </a:r>
             <a:r>
-              <a:rPr lang="en-US" sz="1050" dirty="0"/>
-              <a:t> key to help display weather and implemented units of measurement in which to display temperature and added weather icons</a:t>
+              <a:rPr lang="en-US" sz="1200" dirty="0"/>
+              <a:t> key to help display weather, added five-day forecast, implemented units of measurement in which to display temperature and added weather icons</a:t>
             </a:r>
           </a:p>
           <a:p>
             <a:r>
-              <a:rPr lang="en-US" sz="1050" u="sng" dirty="0">
+              <a:rPr lang="en-US" sz="1200" u="sng" dirty="0">
                 <a:highlight>
                   <a:srgbClr val="00FFFF"/>
                 </a:highlight>
@@ -24851,11 +24366,11 @@
               <a:t>Bradley</a:t>
             </a:r>
             <a:r>
-              <a:rPr lang="en-US" sz="1050" u="sng" dirty="0"/>
+              <a:rPr lang="en-US" sz="1200" u="sng" dirty="0"/>
               <a:t>/</a:t>
             </a:r>
             <a:r>
-              <a:rPr lang="en-US" sz="1050" u="sng" dirty="0">
+              <a:rPr lang="en-US" sz="1200" u="sng" dirty="0">
                 <a:highlight>
                   <a:srgbClr val="FF0000"/>
                 </a:highlight>
@@ -24863,11 +24378,11 @@
               <a:t>Sean</a:t>
             </a:r>
             <a:r>
-              <a:rPr lang="en-US" sz="1050" u="sng" dirty="0"/>
+              <a:rPr lang="en-US" sz="1200" u="sng" dirty="0"/>
               <a:t>/</a:t>
             </a:r>
             <a:r>
-              <a:rPr lang="en-US" sz="1050" u="sng" dirty="0">
+              <a:rPr lang="en-US" sz="1200" u="sng" dirty="0">
                 <a:highlight>
                   <a:srgbClr val="0000FF"/>
                 </a:highlight>
@@ -24875,91 +24390,13 @@
               <a:t>Julio </a:t>
             </a:r>
             <a:r>
-              <a:rPr lang="en-US" sz="1050" dirty="0"/>
+              <a:rPr lang="en-US" sz="1200" dirty="0"/>
               <a:t>– Worked on DOM additions for brewery </a:t>
             </a:r>
             <a:r>
-              <a:rPr lang="en-US" sz="1050" dirty="0" err="1"/>
+              <a:rPr lang="en-US" sz="1200" dirty="0" err="1"/>
               <a:t>api</a:t>
             </a:r>
-            <a:endParaRPr lang="en-US" sz="1050" dirty="0"/>
-          </a:p>
-          <a:p>
-            <a:r>
-              <a:rPr lang="en-US" sz="1050" u="sng" dirty="0">
-                <a:highlight>
-                  <a:srgbClr val="00FFFF"/>
-                </a:highlight>
-              </a:rPr>
-              <a:t>Bradley: </a:t>
-            </a:r>
-            <a:r>
-              <a:rPr lang="en-US" sz="1050" dirty="0"/>
-              <a:t>displaying the information generated by the user in the DOM as a dynamic list, and making the phone and website hyperlinks dynamic</a:t>
-            </a:r>
-          </a:p>
-          <a:p>
-            <a:r>
-              <a:rPr lang="en-US" sz="1050" u="sng" dirty="0">
-                <a:highlight>
-                  <a:srgbClr val="00FFFF"/>
-                </a:highlight>
-              </a:rPr>
-              <a:t>Bradley: </a:t>
-            </a:r>
-            <a:r>
-              <a:rPr lang="en-US" sz="1050" dirty="0"/>
-              <a:t>Found the proper format structure for the brewery API, allowing for the user to select City as well as state, and displayed in alphabetical order and also learning and implementing </a:t>
-            </a:r>
-            <a:r>
-              <a:rPr lang="en-US" sz="1050" dirty="0" err="1"/>
-              <a:t>Bulma</a:t>
-            </a:r>
-            <a:endParaRPr lang="en-US" sz="1050" dirty="0"/>
-          </a:p>
-          <a:p>
-            <a:r>
-              <a:rPr lang="en-US" sz="1050" u="sng" dirty="0">
-                <a:highlight>
-                  <a:srgbClr val="0000FF"/>
-                </a:highlight>
-              </a:rPr>
-              <a:t>Julio: </a:t>
-            </a:r>
-            <a:r>
-              <a:rPr lang="en-US" sz="1050" dirty="0"/>
-              <a:t>Created for loops to take the captured user data and make it filterable and also  if none of the options were selected by the user, all of the options would be selected</a:t>
-            </a:r>
-          </a:p>
-          <a:p>
-            <a:r>
-              <a:rPr lang="en-US" sz="1050" u="sng" dirty="0">
-                <a:solidFill>
-                  <a:schemeClr val="tx1"/>
-                </a:solidFill>
-                <a:highlight>
-                  <a:srgbClr val="FF0000"/>
-                </a:highlight>
-              </a:rPr>
-              <a:t>Sean</a:t>
-            </a:r>
-            <a:r>
-              <a:rPr lang="en-US" sz="1050" dirty="0"/>
-              <a:t> – boiler plate code for brewery </a:t>
-            </a:r>
-            <a:r>
-              <a:rPr lang="en-US" sz="1050" dirty="0" err="1"/>
-              <a:t>api</a:t>
-            </a:r>
-            <a:r>
-              <a:rPr lang="en-US" sz="1050" dirty="0"/>
-              <a:t> to be inserted and allowed the enter key to run the function created to get brewery information</a:t>
-            </a:r>
-          </a:p>
-          <a:p>
-            <a:pPr marL="114300" indent="0">
-              <a:buNone/>
-            </a:pPr>
             <a:endParaRPr lang="en-US" sz="1200" dirty="0"/>
           </a:p>
           <a:p>
@@ -25046,7 +24483,7 @@
         </p:nvSpPr>
         <p:spPr>
           <a:xfrm>
-            <a:off x="225976" y="1938288"/>
+            <a:off x="240263" y="1623963"/>
             <a:ext cx="8520600" cy="3416400"/>
           </a:xfrm>
         </p:spPr>
@@ -25073,39 +24510,6 @@
             <a:r>
               <a:rPr lang="en-US" dirty="0"/>
               <a:t> on the JavaScript file.  After console.log was applied, the console displayed an error message of “401” </a:t>
-            </a:r>
-          </a:p>
-          <a:p>
-            <a:pPr marL="114300" indent="0">
-              <a:buNone/>
-            </a:pPr>
-            <a:endParaRPr lang="en-US" dirty="0"/>
-          </a:p>
-          <a:p>
-            <a:r>
-              <a:rPr lang="en-US" dirty="0"/>
-              <a:t>Executing a function by pressing the enter key to give the user the ability to use the enter key</a:t>
-            </a:r>
-          </a:p>
-          <a:p>
-            <a:pPr marL="114300" indent="0">
-              <a:buNone/>
-            </a:pPr>
-            <a:endParaRPr lang="en-US" dirty="0"/>
-          </a:p>
-          <a:p>
-            <a:r>
-              <a:rPr lang="en-US" dirty="0"/>
-              <a:t>Getting the phone numbers and the websites of the breweries to be displayed as dynamic hyperlinks.</a:t>
-            </a:r>
-          </a:p>
-          <a:p>
-            <a:endParaRPr lang="en-US" dirty="0"/>
-          </a:p>
-          <a:p>
-            <a:r>
-              <a:rPr lang="en-US" dirty="0"/>
-              <a:t>Get weather icons to display when city is entered and  to get the Temperature to display without decimals to a whole number.</a:t>
             </a:r>
           </a:p>
           <a:p>
@@ -25192,7 +24596,7 @@
         </p:nvSpPr>
         <p:spPr>
           <a:xfrm>
-            <a:off x="311700" y="1727100"/>
+            <a:off x="311700" y="1645393"/>
             <a:ext cx="8520600" cy="3416400"/>
           </a:xfrm>
         </p:spPr>
@@ -25222,77 +24626,10 @@
             </a:r>
           </a:p>
           <a:p>
-            <a:pPr marL="114300" indent="0">
-              <a:buNone/>
-            </a:pPr>
-            <a:endParaRPr lang="en-US" dirty="0"/>
-          </a:p>
-          <a:p>
             <a:r>
               <a:rPr lang="en-US" dirty="0"/>
-              <a:t>Using JavaScript to manipulate the DOM using </a:t>
+              <a:t> </a:t>
             </a:r>
-            <a:r>
-              <a:rPr lang="en-US" dirty="0" err="1"/>
-              <a:t>createElement</a:t>
-            </a:r>
-            <a:r>
-              <a:rPr lang="en-US" dirty="0"/>
-              <a:t> and </a:t>
-            </a:r>
-            <a:r>
-              <a:rPr lang="en-US" dirty="0" err="1"/>
-              <a:t>innerhtml</a:t>
-            </a:r>
-            <a:r>
-              <a:rPr lang="en-US" dirty="0"/>
-              <a:t>, allowing each part of the JSON objects chosen to be displayed in a new element. This was achieved using a for each loop</a:t>
-            </a:r>
-          </a:p>
-          <a:p>
-            <a:endParaRPr lang="en-US" dirty="0"/>
-          </a:p>
-          <a:p>
-            <a:r>
-              <a:rPr lang="en-US" dirty="0"/>
-              <a:t>Using </a:t>
-            </a:r>
-            <a:r>
-              <a:rPr lang="en-US" dirty="0" err="1"/>
-              <a:t>createElement</a:t>
-            </a:r>
-            <a:r>
-              <a:rPr lang="en-US" dirty="0"/>
-              <a:t> to create anchor tags that have been given a </a:t>
-            </a:r>
-            <a:r>
-              <a:rPr lang="en-US" dirty="0" err="1"/>
-              <a:t>href</a:t>
-            </a:r>
-            <a:r>
-              <a:rPr lang="en-US" dirty="0"/>
-              <a:t> using </a:t>
-            </a:r>
-            <a:r>
-              <a:rPr lang="en-US" dirty="0" err="1"/>
-              <a:t>setAttribute</a:t>
-            </a:r>
-            <a:endParaRPr lang="en-US" dirty="0"/>
-          </a:p>
-          <a:p>
-            <a:endParaRPr lang="en-US" dirty="0"/>
-          </a:p>
-          <a:p>
-            <a:r>
-              <a:rPr lang="en-US" dirty="0"/>
-              <a:t>Executing functions correctly to trigger user input and provide data based on user input</a:t>
-            </a:r>
-          </a:p>
-          <a:p>
-            <a:endParaRPr lang="en-US" dirty="0"/>
-          </a:p>
-          <a:p>
-            <a:endParaRPr lang="en-US" dirty="0"/>
           </a:p>
         </p:txBody>
       </p:sp>
@@ -25869,10 +25206,6 @@
           </p:nvPr>
         </p:nvSpPr>
         <p:spPr>
-          <a:xfrm>
-            <a:off x="311700" y="1727100"/>
-            <a:ext cx="8520600" cy="3416400"/>
-          </a:xfrm>
           <a:prstGeom prst="rect">
             <a:avLst/>
           </a:prstGeom>
@@ -25883,94 +25216,16 @@
           </a:bodyPr>
           <a:lstStyle/>
           <a:p>
-            <a:pPr marL="285750" lvl="0" indent="-285750" algn="l" rtl="0">
+            <a:pPr marL="0" lvl="0" indent="0" algn="l" rtl="0">
               <a:spcBef>
                 <a:spcPts val="0"/>
               </a:spcBef>
               <a:spcAft>
                 <a:spcPts val="1600"/>
               </a:spcAft>
-              <a:buFont typeface="Wingdings" panose="05000000000000000000" pitchFamily="2" charset="2"/>
-              <a:buChar char="q"/>
+              <a:buNone/>
             </a:pPr>
-            <a:r>
-              <a:rPr lang="en-US" dirty="0"/>
-              <a:t>Work on expanding to UK using an API that has UK breweries</a:t>
-            </a:r>
-          </a:p>
-          <a:p>
-            <a:pPr marL="285750" lvl="0" indent="-285750" algn="l" rtl="0">
-              <a:spcBef>
-                <a:spcPts val="0"/>
-              </a:spcBef>
-              <a:spcAft>
-                <a:spcPts val="1600"/>
-              </a:spcAft>
-              <a:buFont typeface="Wingdings" panose="05000000000000000000" pitchFamily="2" charset="2"/>
-              <a:buChar char="q"/>
-            </a:pPr>
-            <a:r>
-              <a:rPr lang="en-US" dirty="0"/>
-              <a:t>Creating a 5-day weather forecast</a:t>
-            </a:r>
-          </a:p>
-          <a:p>
-            <a:pPr marL="285750" lvl="0" indent="-285750" algn="l" rtl="0">
-              <a:spcBef>
-                <a:spcPts val="0"/>
-              </a:spcBef>
-              <a:spcAft>
-                <a:spcPts val="1600"/>
-              </a:spcAft>
-              <a:buFont typeface="Wingdings" panose="05000000000000000000" pitchFamily="2" charset="2"/>
-              <a:buChar char="q"/>
-            </a:pPr>
-            <a:r>
-              <a:rPr lang="en-US" dirty="0"/>
-              <a:t>Implementing a way to coordinate directions to brewery once it is selected</a:t>
-            </a:r>
-          </a:p>
-          <a:p>
-            <a:pPr marL="285750" lvl="0" indent="-285750" algn="l" rtl="0">
-              <a:spcBef>
-                <a:spcPts val="0"/>
-              </a:spcBef>
-              <a:spcAft>
-                <a:spcPts val="1600"/>
-              </a:spcAft>
-              <a:buFont typeface="Wingdings" panose="05000000000000000000" pitchFamily="2" charset="2"/>
-              <a:buChar char="q"/>
-            </a:pPr>
-            <a:r>
-              <a:rPr lang="en-US" dirty="0"/>
-              <a:t>Including reviews of the breweries </a:t>
-            </a:r>
-          </a:p>
-          <a:p>
-            <a:pPr marL="285750" lvl="0" indent="-285750" algn="l" rtl="0">
-              <a:spcBef>
-                <a:spcPts val="0"/>
-              </a:spcBef>
-              <a:spcAft>
-                <a:spcPts val="1600"/>
-              </a:spcAft>
-              <a:buFont typeface="Wingdings" panose="05000000000000000000" pitchFamily="2" charset="2"/>
-              <a:buChar char="q"/>
-            </a:pPr>
-            <a:endParaRPr lang="en-US" dirty="0"/>
-          </a:p>
-          <a:p>
-            <a:pPr marL="285750" lvl="0" indent="-285750" algn="l" rtl="0">
-              <a:spcBef>
-                <a:spcPts val="0"/>
-              </a:spcBef>
-              <a:spcAft>
-                <a:spcPts val="1600"/>
-              </a:spcAft>
-              <a:buFont typeface="Wingdings" panose="05000000000000000000" pitchFamily="2" charset="2"/>
-              <a:buChar char="q"/>
-            </a:pPr>
-            <a:endParaRPr dirty="0"/>
+            <a:endParaRPr/>
           </a:p>
         </p:txBody>
       </p:sp>
